--- a/ppt_files/vert_design1.pptx
+++ b/ppt_files/vert_design1.pptx
@@ -10,7 +10,7 @@
   <p:sldIdLst>
     <p:sldId id="256" r:id="rId8"/>
   </p:sldIdLst>
-  <p:sldSz cx="38404800" cy="40233600"/>
+  <p:sldSz cx="43891200" cy="51206400"/>
   <p:notesSz cx="6858000" cy="9144000"/>
   <p:defaultTextStyle>
     <a:defPPr marL="0" marR="0" indent="0" algn="l" defTabSz="914400" rtl="0" fontAlgn="auto" latinLnBrk="1" hangingPunct="0">
@@ -39,7 +39,7 @@
         <a:uFillTx/>
       </a:defRPr>
     </a:defPPr>
-    <a:lvl1pPr marL="0" marR="0" indent="0" algn="ctr" defTabSz="2409825" rtl="0" fontAlgn="auto" latinLnBrk="0" hangingPunct="0">
+    <a:lvl1pPr marL="0" marR="0" indent="0" algn="ctr" defTabSz="3505200" rtl="0" fontAlgn="auto" latinLnBrk="0" hangingPunct="0">
       <a:lnSpc>
         <a:spcPct val="100000"/>
       </a:lnSpc>
@@ -54,7 +54,7 @@
       <a:buFontTx/>
       <a:buNone/>
       <a:tabLst/>
-      <a:defRPr b="1" baseline="0" cap="none" i="0" spc="0" strike="noStrike" sz="8600" u="none" kumimoji="0" normalizeH="0">
+      <a:defRPr b="1" baseline="0" cap="none" i="0" spc="0" strike="noStrike" sz="12400" u="none" kumimoji="0" normalizeH="0">
         <a:ln>
           <a:noFill/>
         </a:ln>
@@ -69,7 +69,7 @@
         <a:sym typeface="Helvetica Neue"/>
       </a:defRPr>
     </a:lvl1pPr>
-    <a:lvl2pPr marL="0" marR="0" indent="228600" algn="ctr" defTabSz="2409825" rtl="0" fontAlgn="auto" latinLnBrk="0" hangingPunct="0">
+    <a:lvl2pPr marL="0" marR="0" indent="228600" algn="ctr" defTabSz="3505200" rtl="0" fontAlgn="auto" latinLnBrk="0" hangingPunct="0">
       <a:lnSpc>
         <a:spcPct val="100000"/>
       </a:lnSpc>
@@ -84,7 +84,7 @@
       <a:buFontTx/>
       <a:buNone/>
       <a:tabLst/>
-      <a:defRPr b="1" baseline="0" cap="none" i="0" spc="0" strike="noStrike" sz="8600" u="none" kumimoji="0" normalizeH="0">
+      <a:defRPr b="1" baseline="0" cap="none" i="0" spc="0" strike="noStrike" sz="12400" u="none" kumimoji="0" normalizeH="0">
         <a:ln>
           <a:noFill/>
         </a:ln>
@@ -99,7 +99,7 @@
         <a:sym typeface="Helvetica Neue"/>
       </a:defRPr>
     </a:lvl2pPr>
-    <a:lvl3pPr marL="0" marR="0" indent="457200" algn="ctr" defTabSz="2409825" rtl="0" fontAlgn="auto" latinLnBrk="0" hangingPunct="0">
+    <a:lvl3pPr marL="0" marR="0" indent="457200" algn="ctr" defTabSz="3505200" rtl="0" fontAlgn="auto" latinLnBrk="0" hangingPunct="0">
       <a:lnSpc>
         <a:spcPct val="100000"/>
       </a:lnSpc>
@@ -114,7 +114,7 @@
       <a:buFontTx/>
       <a:buNone/>
       <a:tabLst/>
-      <a:defRPr b="1" baseline="0" cap="none" i="0" spc="0" strike="noStrike" sz="8600" u="none" kumimoji="0" normalizeH="0">
+      <a:defRPr b="1" baseline="0" cap="none" i="0" spc="0" strike="noStrike" sz="12400" u="none" kumimoji="0" normalizeH="0">
         <a:ln>
           <a:noFill/>
         </a:ln>
@@ -129,7 +129,7 @@
         <a:sym typeface="Helvetica Neue"/>
       </a:defRPr>
     </a:lvl3pPr>
-    <a:lvl4pPr marL="0" marR="0" indent="685800" algn="ctr" defTabSz="2409825" rtl="0" fontAlgn="auto" latinLnBrk="0" hangingPunct="0">
+    <a:lvl4pPr marL="0" marR="0" indent="685800" algn="ctr" defTabSz="3505200" rtl="0" fontAlgn="auto" latinLnBrk="0" hangingPunct="0">
       <a:lnSpc>
         <a:spcPct val="100000"/>
       </a:lnSpc>
@@ -144,7 +144,7 @@
       <a:buFontTx/>
       <a:buNone/>
       <a:tabLst/>
-      <a:defRPr b="1" baseline="0" cap="none" i="0" spc="0" strike="noStrike" sz="8600" u="none" kumimoji="0" normalizeH="0">
+      <a:defRPr b="1" baseline="0" cap="none" i="0" spc="0" strike="noStrike" sz="12400" u="none" kumimoji="0" normalizeH="0">
         <a:ln>
           <a:noFill/>
         </a:ln>
@@ -159,7 +159,7 @@
         <a:sym typeface="Helvetica Neue"/>
       </a:defRPr>
     </a:lvl4pPr>
-    <a:lvl5pPr marL="0" marR="0" indent="914400" algn="ctr" defTabSz="2409825" rtl="0" fontAlgn="auto" latinLnBrk="0" hangingPunct="0">
+    <a:lvl5pPr marL="0" marR="0" indent="914400" algn="ctr" defTabSz="3505200" rtl="0" fontAlgn="auto" latinLnBrk="0" hangingPunct="0">
       <a:lnSpc>
         <a:spcPct val="100000"/>
       </a:lnSpc>
@@ -174,7 +174,7 @@
       <a:buFontTx/>
       <a:buNone/>
       <a:tabLst/>
-      <a:defRPr b="1" baseline="0" cap="none" i="0" spc="0" strike="noStrike" sz="8600" u="none" kumimoji="0" normalizeH="0">
+      <a:defRPr b="1" baseline="0" cap="none" i="0" spc="0" strike="noStrike" sz="12400" u="none" kumimoji="0" normalizeH="0">
         <a:ln>
           <a:noFill/>
         </a:ln>
@@ -189,7 +189,7 @@
         <a:sym typeface="Helvetica Neue"/>
       </a:defRPr>
     </a:lvl5pPr>
-    <a:lvl6pPr marL="0" marR="0" indent="1143000" algn="ctr" defTabSz="2409825" rtl="0" fontAlgn="auto" latinLnBrk="0" hangingPunct="0">
+    <a:lvl6pPr marL="0" marR="0" indent="1143000" algn="ctr" defTabSz="3505200" rtl="0" fontAlgn="auto" latinLnBrk="0" hangingPunct="0">
       <a:lnSpc>
         <a:spcPct val="100000"/>
       </a:lnSpc>
@@ -204,7 +204,7 @@
       <a:buFontTx/>
       <a:buNone/>
       <a:tabLst/>
-      <a:defRPr b="1" baseline="0" cap="none" i="0" spc="0" strike="noStrike" sz="8600" u="none" kumimoji="0" normalizeH="0">
+      <a:defRPr b="1" baseline="0" cap="none" i="0" spc="0" strike="noStrike" sz="12400" u="none" kumimoji="0" normalizeH="0">
         <a:ln>
           <a:noFill/>
         </a:ln>
@@ -219,7 +219,7 @@
         <a:sym typeface="Helvetica Neue"/>
       </a:defRPr>
     </a:lvl6pPr>
-    <a:lvl7pPr marL="0" marR="0" indent="1371600" algn="ctr" defTabSz="2409825" rtl="0" fontAlgn="auto" latinLnBrk="0" hangingPunct="0">
+    <a:lvl7pPr marL="0" marR="0" indent="1371600" algn="ctr" defTabSz="3505200" rtl="0" fontAlgn="auto" latinLnBrk="0" hangingPunct="0">
       <a:lnSpc>
         <a:spcPct val="100000"/>
       </a:lnSpc>
@@ -234,7 +234,7 @@
       <a:buFontTx/>
       <a:buNone/>
       <a:tabLst/>
-      <a:defRPr b="1" baseline="0" cap="none" i="0" spc="0" strike="noStrike" sz="8600" u="none" kumimoji="0" normalizeH="0">
+      <a:defRPr b="1" baseline="0" cap="none" i="0" spc="0" strike="noStrike" sz="12400" u="none" kumimoji="0" normalizeH="0">
         <a:ln>
           <a:noFill/>
         </a:ln>
@@ -249,7 +249,7 @@
         <a:sym typeface="Helvetica Neue"/>
       </a:defRPr>
     </a:lvl7pPr>
-    <a:lvl8pPr marL="0" marR="0" indent="1600200" algn="ctr" defTabSz="2409825" rtl="0" fontAlgn="auto" latinLnBrk="0" hangingPunct="0">
+    <a:lvl8pPr marL="0" marR="0" indent="1600200" algn="ctr" defTabSz="3505200" rtl="0" fontAlgn="auto" latinLnBrk="0" hangingPunct="0">
       <a:lnSpc>
         <a:spcPct val="100000"/>
       </a:lnSpc>
@@ -264,7 +264,7 @@
       <a:buFontTx/>
       <a:buNone/>
       <a:tabLst/>
-      <a:defRPr b="1" baseline="0" cap="none" i="0" spc="0" strike="noStrike" sz="8600" u="none" kumimoji="0" normalizeH="0">
+      <a:defRPr b="1" baseline="0" cap="none" i="0" spc="0" strike="noStrike" sz="12400" u="none" kumimoji="0" normalizeH="0">
         <a:ln>
           <a:noFill/>
         </a:ln>
@@ -279,7 +279,7 @@
         <a:sym typeface="Helvetica Neue"/>
       </a:defRPr>
     </a:lvl8pPr>
-    <a:lvl9pPr marL="0" marR="0" indent="1828800" algn="ctr" defTabSz="2409825" rtl="0" fontAlgn="auto" latinLnBrk="0" hangingPunct="0">
+    <a:lvl9pPr marL="0" marR="0" indent="1828800" algn="ctr" defTabSz="3505200" rtl="0" fontAlgn="auto" latinLnBrk="0" hangingPunct="0">
       <a:lnSpc>
         <a:spcPct val="100000"/>
       </a:lnSpc>
@@ -294,7 +294,7 @@
       <a:buFontTx/>
       <a:buNone/>
       <a:tabLst/>
-      <a:defRPr b="1" baseline="0" cap="none" i="0" spc="0" strike="noStrike" sz="8600" u="none" kumimoji="0" normalizeH="0">
+      <a:defRPr b="1" baseline="0" cap="none" i="0" spc="0" strike="noStrike" sz="12400" u="none" kumimoji="0" normalizeH="0">
         <a:ln>
           <a:noFill/>
         </a:ln>
@@ -638,8 +638,8 @@
         </p:nvSpPr>
         <p:spPr>
           <a:xfrm>
-            <a:off x="12373198" y="22056160"/>
-            <a:ext cx="13658404" cy="1397426"/>
+            <a:off x="14140797" y="31477212"/>
+            <a:ext cx="15609606" cy="1987056"/>
           </a:xfrm>
           <a:prstGeom prst="rect">
             <a:avLst/>
@@ -651,7 +651,7 @@
           </a:bodyPr>
           <a:lstStyle>
             <a:lvl1pPr>
-              <a:defRPr i="1" sz="8600"/>
+              <a:defRPr i="1" sz="12400"/>
             </a:lvl1pPr>
           </a:lstStyle>
           <a:p>
@@ -672,8 +672,8 @@
         </p:nvSpPr>
         <p:spPr>
           <a:xfrm>
-            <a:off x="12373198" y="17799266"/>
-            <a:ext cx="13658404" cy="3947727"/>
+            <a:off x="14140797" y="26031413"/>
+            <a:ext cx="15609606" cy="5673241"/>
           </a:xfrm>
           <a:prstGeom prst="rect">
             <a:avLst/>
@@ -685,7 +685,7 @@
           </a:bodyPr>
           <a:lstStyle>
             <a:lvl1pPr>
-              <a:defRPr sz="12400">
+              <a:defRPr sz="18000">
                 <a:latin typeface="+mn-lt"/>
                 <a:ea typeface="+mn-ea"/>
                 <a:cs typeface="+mn-cs"/>
@@ -759,8 +759,8 @@
         </p:nvSpPr>
         <p:spPr>
           <a:xfrm>
-            <a:off x="10715625" y="13751718"/>
-            <a:ext cx="16973551" cy="12730165"/>
+            <a:off x="12246428" y="21986421"/>
+            <a:ext cx="19398345" cy="14548759"/>
           </a:xfrm>
           <a:prstGeom prst="rect">
             <a:avLst/>
@@ -882,8 +882,8 @@
         </p:nvSpPr>
         <p:spPr>
           <a:xfrm>
-            <a:off x="12829031" y="14630232"/>
-            <a:ext cx="12735926" cy="7707717"/>
+            <a:off x="14661749" y="22990436"/>
+            <a:ext cx="14555345" cy="8808820"/>
           </a:xfrm>
           <a:prstGeom prst="rect">
             <a:avLst/>
@@ -909,8 +909,8 @@
         </p:nvSpPr>
         <p:spPr>
           <a:xfrm>
-            <a:off x="12373198" y="22520281"/>
-            <a:ext cx="13658404" cy="1856483"/>
+            <a:off x="14140797" y="32007635"/>
+            <a:ext cx="15609606" cy="2121695"/>
           </a:xfrm>
           <a:prstGeom prst="rect">
             <a:avLst/>
@@ -937,8 +937,8 @@
         </p:nvSpPr>
         <p:spPr>
           <a:xfrm>
-            <a:off x="12373198" y="24393338"/>
-            <a:ext cx="13658404" cy="1475242"/>
+            <a:off x="14140797" y="34148273"/>
+            <a:ext cx="15609606" cy="1685990"/>
           </a:xfrm>
           <a:prstGeom prst="rect">
             <a:avLst/>
@@ -1037,8 +1037,8 @@
         </p:nvSpPr>
         <p:spPr>
           <a:xfrm>
-            <a:off x="12373198" y="17961954"/>
-            <a:ext cx="13658404" cy="4309692"/>
+            <a:off x="14140797" y="26798119"/>
+            <a:ext cx="15609606" cy="4925362"/>
           </a:xfrm>
           <a:prstGeom prst="rect">
             <a:avLst/>
@@ -1113,8 +1113,8 @@
         </p:nvSpPr>
         <p:spPr>
           <a:xfrm>
-            <a:off x="19484187" y="14585620"/>
-            <a:ext cx="6961809" cy="10724501"/>
+            <a:off x="22267643" y="22939451"/>
+            <a:ext cx="7956353" cy="12256573"/>
           </a:xfrm>
           <a:prstGeom prst="rect">
             <a:avLst/>
@@ -1140,8 +1140,8 @@
         </p:nvSpPr>
         <p:spPr>
           <a:xfrm>
-            <a:off x="11958804" y="14580505"/>
-            <a:ext cx="6961809" cy="5204781"/>
+            <a:off x="13667205" y="22933605"/>
+            <a:ext cx="7956353" cy="5948322"/>
           </a:xfrm>
           <a:prstGeom prst="rect">
             <a:avLst/>
@@ -1151,7 +1151,7 @@
           <a:bodyPr/>
           <a:lstStyle>
             <a:lvl1pPr>
-              <a:defRPr sz="24000"/>
+              <a:defRPr sz="34800"/>
             </a:lvl1pPr>
           </a:lstStyle>
           <a:p>
@@ -1172,8 +1172,8 @@
         </p:nvSpPr>
         <p:spPr>
           <a:xfrm>
-            <a:off x="11958804" y="19917891"/>
-            <a:ext cx="6961809" cy="5370538"/>
+            <a:off x="13667205" y="29033475"/>
+            <a:ext cx="7956353" cy="6137759"/>
           </a:xfrm>
           <a:prstGeom prst="rect">
             <a:avLst/>
@@ -1272,8 +1272,8 @@
         </p:nvSpPr>
         <p:spPr>
           <a:xfrm>
-            <a:off x="11958804" y="14083233"/>
-            <a:ext cx="14487192" cy="2817876"/>
+            <a:off x="13667205" y="22365295"/>
+            <a:ext cx="16556790" cy="3220429"/>
           </a:xfrm>
           <a:prstGeom prst="rect">
             <a:avLst/>
@@ -1348,8 +1348,8 @@
         </p:nvSpPr>
         <p:spPr>
           <a:xfrm>
-            <a:off x="11958804" y="14083233"/>
-            <a:ext cx="14487192" cy="2817876"/>
+            <a:off x="13667205" y="22365295"/>
+            <a:ext cx="16556790" cy="3220429"/>
           </a:xfrm>
           <a:prstGeom prst="rect">
             <a:avLst/>
@@ -1376,8 +1376,8 @@
         </p:nvSpPr>
         <p:spPr>
           <a:xfrm>
-            <a:off x="11958804" y="17133168"/>
-            <a:ext cx="14487192" cy="8204988"/>
+            <a:off x="13667205" y="25850934"/>
+            <a:ext cx="16556790" cy="9377130"/>
           </a:xfrm>
           <a:prstGeom prst="rect">
             <a:avLst/>
@@ -1386,45 +1386,45 @@
         <p:txBody>
           <a:bodyPr anchor="ctr"/>
           <a:lstStyle>
-            <a:lvl1pPr marL="1722437" indent="-1722437" algn="l">
+            <a:lvl1pPr marL="2500312" indent="-2500312" algn="l">
               <a:spcBef>
-                <a:spcPts val="17300"/>
+                <a:spcPts val="25200"/>
               </a:spcBef>
               <a:buSzPct val="145000"/>
               <a:buChar char="•"/>
-              <a:defRPr sz="12400"/>
+              <a:defRPr sz="18000"/>
             </a:lvl1pPr>
-            <a:lvl2pPr marL="2166937" indent="-1722437" algn="l">
+            <a:lvl2pPr marL="2944812" indent="-2500312" algn="l">
               <a:spcBef>
-                <a:spcPts val="17300"/>
+                <a:spcPts val="25200"/>
               </a:spcBef>
               <a:buSzPct val="145000"/>
               <a:buChar char="•"/>
-              <a:defRPr sz="12400"/>
+              <a:defRPr sz="18000"/>
             </a:lvl2pPr>
-            <a:lvl3pPr marL="2611437" indent="-1722437" algn="l">
+            <a:lvl3pPr marL="3389312" indent="-2500312" algn="l">
               <a:spcBef>
-                <a:spcPts val="17300"/>
+                <a:spcPts val="25200"/>
               </a:spcBef>
               <a:buSzPct val="145000"/>
               <a:buChar char="•"/>
-              <a:defRPr sz="12400"/>
+              <a:defRPr sz="18000"/>
             </a:lvl3pPr>
-            <a:lvl4pPr marL="3055937" indent="-1722437" algn="l">
+            <a:lvl4pPr marL="3833812" indent="-2500312" algn="l">
               <a:spcBef>
-                <a:spcPts val="17300"/>
+                <a:spcPts val="25200"/>
               </a:spcBef>
               <a:buSzPct val="145000"/>
               <a:buChar char="•"/>
-              <a:defRPr sz="12400"/>
+              <a:defRPr sz="18000"/>
             </a:lvl4pPr>
-            <a:lvl5pPr marL="3500437" indent="-1722437" algn="l">
+            <a:lvl5pPr marL="4278312" indent="-2500312" algn="l">
               <a:spcBef>
-                <a:spcPts val="17300"/>
+                <a:spcPts val="25200"/>
               </a:spcBef>
               <a:buSzPct val="145000"/>
               <a:buChar char="•"/>
-              <a:defRPr sz="12400"/>
+              <a:defRPr sz="18000"/>
             </a:lvl5pPr>
           </a:lstStyle>
           <a:p>
@@ -1517,8 +1517,8 @@
         </p:nvSpPr>
         <p:spPr>
           <a:xfrm>
-            <a:off x="19484187" y="17133168"/>
-            <a:ext cx="6961809" cy="8204988"/>
+            <a:off x="22267643" y="25850934"/>
+            <a:ext cx="7956352" cy="9377130"/>
           </a:xfrm>
           <a:prstGeom prst="rect">
             <a:avLst/>
@@ -1544,8 +1544,8 @@
         </p:nvSpPr>
         <p:spPr>
           <a:xfrm>
-            <a:off x="11958804" y="14083233"/>
-            <a:ext cx="14487192" cy="2817876"/>
+            <a:off x="13667205" y="22365295"/>
+            <a:ext cx="16556790" cy="3220429"/>
           </a:xfrm>
           <a:prstGeom prst="rect">
             <a:avLst/>
@@ -1572,8 +1572,8 @@
         </p:nvSpPr>
         <p:spPr>
           <a:xfrm>
-            <a:off x="11958804" y="17133168"/>
-            <a:ext cx="6961809" cy="8204988"/>
+            <a:off x="13667205" y="25850934"/>
+            <a:ext cx="7956353" cy="9377130"/>
           </a:xfrm>
           <a:prstGeom prst="rect">
             <a:avLst/>
@@ -1582,45 +1582,45 @@
         <p:txBody>
           <a:bodyPr anchor="ctr"/>
           <a:lstStyle>
-            <a:lvl1pPr marL="1273628" indent="-1273628" algn="l">
+            <a:lvl1pPr marL="1836964" indent="-1836964" algn="l">
               <a:spcBef>
-                <a:spcPts val="13200"/>
+                <a:spcPts val="19200"/>
               </a:spcBef>
               <a:buSzPct val="145000"/>
               <a:buChar char="•"/>
-              <a:defRPr sz="10400"/>
+              <a:defRPr sz="15000"/>
             </a:lvl1pPr>
-            <a:lvl2pPr marL="1616528" indent="-1273628" algn="l">
+            <a:lvl2pPr marL="2179864" indent="-1836964" algn="l">
               <a:spcBef>
-                <a:spcPts val="13200"/>
+                <a:spcPts val="19200"/>
               </a:spcBef>
               <a:buSzPct val="145000"/>
               <a:buChar char="•"/>
-              <a:defRPr sz="10400"/>
+              <a:defRPr sz="15000"/>
             </a:lvl2pPr>
-            <a:lvl3pPr marL="1959428" indent="-1273628" algn="l">
+            <a:lvl3pPr marL="2522764" indent="-1836964" algn="l">
               <a:spcBef>
-                <a:spcPts val="13200"/>
+                <a:spcPts val="19200"/>
               </a:spcBef>
               <a:buSzPct val="145000"/>
               <a:buChar char="•"/>
-              <a:defRPr sz="10400"/>
+              <a:defRPr sz="15000"/>
             </a:lvl3pPr>
-            <a:lvl4pPr marL="2302328" indent="-1273628" algn="l">
+            <a:lvl4pPr marL="2865664" indent="-1836964" algn="l">
               <a:spcBef>
-                <a:spcPts val="13200"/>
+                <a:spcPts val="19200"/>
               </a:spcBef>
               <a:buSzPct val="145000"/>
               <a:buChar char="•"/>
-              <a:defRPr sz="10400"/>
+              <a:defRPr sz="15000"/>
             </a:lvl4pPr>
-            <a:lvl5pPr marL="2645228" indent="-1273628" algn="l">
+            <a:lvl5pPr marL="3208564" indent="-1836964" algn="l">
               <a:spcBef>
-                <a:spcPts val="13200"/>
+                <a:spcPts val="19200"/>
               </a:spcBef>
               <a:buSzPct val="145000"/>
               <a:buChar char="•"/>
-              <a:defRPr sz="10400"/>
+              <a:defRPr sz="15000"/>
             </a:lvl5pPr>
           </a:lstStyle>
           <a:p>
@@ -1713,8 +1713,8 @@
         </p:nvSpPr>
         <p:spPr>
           <a:xfrm>
-            <a:off x="11958804" y="15409291"/>
-            <a:ext cx="14487192" cy="9415018"/>
+            <a:off x="13667205" y="23880790"/>
+            <a:ext cx="16556790" cy="10760020"/>
           </a:xfrm>
           <a:prstGeom prst="rect">
             <a:avLst/>
@@ -1723,45 +1723,45 @@
         <p:txBody>
           <a:bodyPr anchor="ctr"/>
           <a:lstStyle>
-            <a:lvl1pPr marL="1722437" indent="-1722437" algn="l">
+            <a:lvl1pPr marL="2500312" indent="-2500312" algn="l">
               <a:spcBef>
-                <a:spcPts val="17300"/>
+                <a:spcPts val="25200"/>
               </a:spcBef>
               <a:buSzPct val="145000"/>
               <a:buChar char="•"/>
-              <a:defRPr sz="12400"/>
+              <a:defRPr sz="18000"/>
             </a:lvl1pPr>
-            <a:lvl2pPr marL="2166937" indent="-1722437" algn="l">
+            <a:lvl2pPr marL="2944812" indent="-2500312" algn="l">
               <a:spcBef>
-                <a:spcPts val="17300"/>
+                <a:spcPts val="25200"/>
               </a:spcBef>
               <a:buSzPct val="145000"/>
               <a:buChar char="•"/>
-              <a:defRPr sz="12400"/>
+              <a:defRPr sz="18000"/>
             </a:lvl2pPr>
-            <a:lvl3pPr marL="2611437" indent="-1722437" algn="l">
+            <a:lvl3pPr marL="3389312" indent="-2500312" algn="l">
               <a:spcBef>
-                <a:spcPts val="17300"/>
+                <a:spcPts val="25200"/>
               </a:spcBef>
               <a:buSzPct val="145000"/>
               <a:buChar char="•"/>
-              <a:defRPr sz="12400"/>
+              <a:defRPr sz="18000"/>
             </a:lvl3pPr>
-            <a:lvl4pPr marL="3055937" indent="-1722437" algn="l">
+            <a:lvl4pPr marL="3833812" indent="-2500312" algn="l">
               <a:spcBef>
-                <a:spcPts val="17300"/>
+                <a:spcPts val="25200"/>
               </a:spcBef>
               <a:buSzPct val="145000"/>
               <a:buChar char="•"/>
-              <a:defRPr sz="12400"/>
+              <a:defRPr sz="18000"/>
             </a:lvl4pPr>
-            <a:lvl5pPr marL="3500437" indent="-1722437" algn="l">
+            <a:lvl5pPr marL="4278312" indent="-2500312" algn="l">
               <a:spcBef>
-                <a:spcPts val="17300"/>
+                <a:spcPts val="25200"/>
               </a:spcBef>
               <a:buSzPct val="145000"/>
               <a:buChar char="•"/>
-              <a:defRPr sz="12400"/>
+              <a:defRPr sz="18000"/>
             </a:lvl5pPr>
           </a:lstStyle>
           <a:p>
@@ -1854,8 +1854,8 @@
         </p:nvSpPr>
         <p:spPr>
           <a:xfrm>
-            <a:off x="19500763" y="20232830"/>
-            <a:ext cx="6961808" cy="5088751"/>
+            <a:off x="22286586" y="29393405"/>
+            <a:ext cx="7956353" cy="5815716"/>
           </a:xfrm>
           <a:prstGeom prst="rect">
             <a:avLst/>
@@ -1881,8 +1881,8 @@
         </p:nvSpPr>
         <p:spPr>
           <a:xfrm>
-            <a:off x="19500763" y="14580505"/>
-            <a:ext cx="6961808" cy="5088751"/>
+            <a:off x="22286586" y="22933605"/>
+            <a:ext cx="7956353" cy="5815716"/>
           </a:xfrm>
           <a:prstGeom prst="rect">
             <a:avLst/>
@@ -1908,8 +1908,8 @@
         </p:nvSpPr>
         <p:spPr>
           <a:xfrm>
-            <a:off x="11958804" y="14580505"/>
-            <a:ext cx="6961809" cy="10741076"/>
+            <a:off x="13667205" y="22933605"/>
+            <a:ext cx="7956353" cy="12275517"/>
           </a:xfrm>
           <a:prstGeom prst="rect">
             <a:avLst/>
@@ -1990,8 +1990,8 @@
         </p:nvSpPr>
         <p:spPr>
           <a:xfrm>
-            <a:off x="12373198" y="15889988"/>
-            <a:ext cx="13658404" cy="4309691"/>
+            <a:off x="14140797" y="24430157"/>
+            <a:ext cx="15609606" cy="4925362"/>
           </a:xfrm>
           <a:prstGeom prst="rect">
             <a:avLst/>
@@ -2006,7 +2006,7 @@
           </a:extLst>
         </p:spPr>
         <p:txBody>
-          <a:bodyPr lIns="66302" tIns="66302" rIns="66302" bIns="66302" anchor="b">
+          <a:bodyPr lIns="75774" tIns="75774" rIns="75774" bIns="75774" anchor="b">
             <a:normAutofit fontScale="100000" lnSpcReduction="0"/>
           </a:bodyPr>
           <a:lstStyle/>
@@ -2028,8 +2028,8 @@
         </p:nvSpPr>
         <p:spPr>
           <a:xfrm>
-            <a:off x="12373198" y="20315708"/>
-            <a:ext cx="13658404" cy="1475242"/>
+            <a:off x="14140797" y="29488124"/>
+            <a:ext cx="15609606" cy="1685990"/>
           </a:xfrm>
           <a:prstGeom prst="rect">
             <a:avLst/>
@@ -2044,7 +2044,7 @@
           </a:extLst>
         </p:spPr>
         <p:txBody>
-          <a:bodyPr lIns="66302" tIns="66302" rIns="66302" bIns="66302">
+          <a:bodyPr lIns="75774" tIns="75774" rIns="75774" bIns="75774">
             <a:normAutofit fontScale="100000" lnSpcReduction="0"/>
           </a:bodyPr>
           <a:lstStyle/>
@@ -2090,8 +2090,8 @@
         </p:nvSpPr>
         <p:spPr>
           <a:xfrm>
-            <a:off x="18687532" y="25885154"/>
-            <a:ext cx="1020896" cy="1062267"/>
+            <a:off x="21222915" y="35853205"/>
+            <a:ext cx="1435267" cy="1502696"/>
           </a:xfrm>
           <a:prstGeom prst="rect">
             <a:avLst/>
@@ -2101,12 +2101,12 @@
           </a:ln>
         </p:spPr>
         <p:txBody>
-          <a:bodyPr wrap="none" lIns="66302" tIns="66302" rIns="66302" bIns="66302">
+          <a:bodyPr wrap="none" lIns="75774" tIns="75774" rIns="75774" bIns="75774">
             <a:spAutoFit/>
           </a:bodyPr>
           <a:lstStyle>
             <a:lvl1pPr>
-              <a:defRPr b="0" sz="6200">
+              <a:defRPr b="0" sz="9000">
                 <a:latin typeface="Helvetica Neue Light"/>
                 <a:ea typeface="Helvetica Neue Light"/>
                 <a:cs typeface="Helvetica Neue Light"/>
@@ -2140,7 +2140,7 @@
   <p:transition xmlns:p14="http://schemas.microsoft.com/office/powerpoint/2010/main" spd="med" advClick="1"/>
   <p:txStyles>
     <p:titleStyle>
-      <a:lvl1pPr marL="0" marR="0" indent="0" algn="ctr" defTabSz="2409825" rtl="0" latinLnBrk="0">
+      <a:lvl1pPr marL="0" marR="0" indent="0" algn="ctr" defTabSz="3505200" rtl="0" latinLnBrk="0">
         <a:lnSpc>
           <a:spcPct val="100000"/>
         </a:lnSpc>
@@ -2155,7 +2155,7 @@
         <a:buFontTx/>
         <a:buNone/>
         <a:tabLst/>
-        <a:defRPr b="0" baseline="0" cap="none" i="0" spc="0" strike="noStrike" sz="32000" u="none">
+        <a:defRPr b="0" baseline="0" cap="none" i="0" spc="0" strike="noStrike" sz="46400" u="none">
           <a:ln>
             <a:noFill/>
           </a:ln>
@@ -2169,7 +2169,7 @@
           <a:sym typeface="Helvetica Neue Medium"/>
         </a:defRPr>
       </a:lvl1pPr>
-      <a:lvl2pPr marL="0" marR="0" indent="0" algn="ctr" defTabSz="2409825" rtl="0" latinLnBrk="0">
+      <a:lvl2pPr marL="0" marR="0" indent="0" algn="ctr" defTabSz="3505200" rtl="0" latinLnBrk="0">
         <a:lnSpc>
           <a:spcPct val="100000"/>
         </a:lnSpc>
@@ -2184,7 +2184,7 @@
         <a:buFontTx/>
         <a:buNone/>
         <a:tabLst/>
-        <a:defRPr b="0" baseline="0" cap="none" i="0" spc="0" strike="noStrike" sz="32000" u="none">
+        <a:defRPr b="0" baseline="0" cap="none" i="0" spc="0" strike="noStrike" sz="46400" u="none">
           <a:ln>
             <a:noFill/>
           </a:ln>
@@ -2198,7 +2198,7 @@
           <a:sym typeface="Helvetica Neue Medium"/>
         </a:defRPr>
       </a:lvl2pPr>
-      <a:lvl3pPr marL="0" marR="0" indent="0" algn="ctr" defTabSz="2409825" rtl="0" latinLnBrk="0">
+      <a:lvl3pPr marL="0" marR="0" indent="0" algn="ctr" defTabSz="3505200" rtl="0" latinLnBrk="0">
         <a:lnSpc>
           <a:spcPct val="100000"/>
         </a:lnSpc>
@@ -2213,7 +2213,7 @@
         <a:buFontTx/>
         <a:buNone/>
         <a:tabLst/>
-        <a:defRPr b="0" baseline="0" cap="none" i="0" spc="0" strike="noStrike" sz="32000" u="none">
+        <a:defRPr b="0" baseline="0" cap="none" i="0" spc="0" strike="noStrike" sz="46400" u="none">
           <a:ln>
             <a:noFill/>
           </a:ln>
@@ -2227,7 +2227,7 @@
           <a:sym typeface="Helvetica Neue Medium"/>
         </a:defRPr>
       </a:lvl3pPr>
-      <a:lvl4pPr marL="0" marR="0" indent="0" algn="ctr" defTabSz="2409825" rtl="0" latinLnBrk="0">
+      <a:lvl4pPr marL="0" marR="0" indent="0" algn="ctr" defTabSz="3505200" rtl="0" latinLnBrk="0">
         <a:lnSpc>
           <a:spcPct val="100000"/>
         </a:lnSpc>
@@ -2242,7 +2242,7 @@
         <a:buFontTx/>
         <a:buNone/>
         <a:tabLst/>
-        <a:defRPr b="0" baseline="0" cap="none" i="0" spc="0" strike="noStrike" sz="32000" u="none">
+        <a:defRPr b="0" baseline="0" cap="none" i="0" spc="0" strike="noStrike" sz="46400" u="none">
           <a:ln>
             <a:noFill/>
           </a:ln>
@@ -2256,7 +2256,7 @@
           <a:sym typeface="Helvetica Neue Medium"/>
         </a:defRPr>
       </a:lvl4pPr>
-      <a:lvl5pPr marL="0" marR="0" indent="0" algn="ctr" defTabSz="2409825" rtl="0" latinLnBrk="0">
+      <a:lvl5pPr marL="0" marR="0" indent="0" algn="ctr" defTabSz="3505200" rtl="0" latinLnBrk="0">
         <a:lnSpc>
           <a:spcPct val="100000"/>
         </a:lnSpc>
@@ -2271,7 +2271,7 @@
         <a:buFontTx/>
         <a:buNone/>
         <a:tabLst/>
-        <a:defRPr b="0" baseline="0" cap="none" i="0" spc="0" strike="noStrike" sz="32000" u="none">
+        <a:defRPr b="0" baseline="0" cap="none" i="0" spc="0" strike="noStrike" sz="46400" u="none">
           <a:ln>
             <a:noFill/>
           </a:ln>
@@ -2285,7 +2285,7 @@
           <a:sym typeface="Helvetica Neue Medium"/>
         </a:defRPr>
       </a:lvl5pPr>
-      <a:lvl6pPr marL="0" marR="0" indent="0" algn="ctr" defTabSz="2409825" rtl="0" latinLnBrk="0">
+      <a:lvl6pPr marL="0" marR="0" indent="0" algn="ctr" defTabSz="3505200" rtl="0" latinLnBrk="0">
         <a:lnSpc>
           <a:spcPct val="100000"/>
         </a:lnSpc>
@@ -2300,7 +2300,7 @@
         <a:buFontTx/>
         <a:buNone/>
         <a:tabLst/>
-        <a:defRPr b="0" baseline="0" cap="none" i="0" spc="0" strike="noStrike" sz="32000" u="none">
+        <a:defRPr b="0" baseline="0" cap="none" i="0" spc="0" strike="noStrike" sz="46400" u="none">
           <a:ln>
             <a:noFill/>
           </a:ln>
@@ -2314,7 +2314,7 @@
           <a:sym typeface="Helvetica Neue Medium"/>
         </a:defRPr>
       </a:lvl6pPr>
-      <a:lvl7pPr marL="0" marR="0" indent="0" algn="ctr" defTabSz="2409825" rtl="0" latinLnBrk="0">
+      <a:lvl7pPr marL="0" marR="0" indent="0" algn="ctr" defTabSz="3505200" rtl="0" latinLnBrk="0">
         <a:lnSpc>
           <a:spcPct val="100000"/>
         </a:lnSpc>
@@ -2329,7 +2329,7 @@
         <a:buFontTx/>
         <a:buNone/>
         <a:tabLst/>
-        <a:defRPr b="0" baseline="0" cap="none" i="0" spc="0" strike="noStrike" sz="32000" u="none">
+        <a:defRPr b="0" baseline="0" cap="none" i="0" spc="0" strike="noStrike" sz="46400" u="none">
           <a:ln>
             <a:noFill/>
           </a:ln>
@@ -2343,7 +2343,7 @@
           <a:sym typeface="Helvetica Neue Medium"/>
         </a:defRPr>
       </a:lvl7pPr>
-      <a:lvl8pPr marL="0" marR="0" indent="0" algn="ctr" defTabSz="2409825" rtl="0" latinLnBrk="0">
+      <a:lvl8pPr marL="0" marR="0" indent="0" algn="ctr" defTabSz="3505200" rtl="0" latinLnBrk="0">
         <a:lnSpc>
           <a:spcPct val="100000"/>
         </a:lnSpc>
@@ -2358,7 +2358,7 @@
         <a:buFontTx/>
         <a:buNone/>
         <a:tabLst/>
-        <a:defRPr b="0" baseline="0" cap="none" i="0" spc="0" strike="noStrike" sz="32000" u="none">
+        <a:defRPr b="0" baseline="0" cap="none" i="0" spc="0" strike="noStrike" sz="46400" u="none">
           <a:ln>
             <a:noFill/>
           </a:ln>
@@ -2372,7 +2372,7 @@
           <a:sym typeface="Helvetica Neue Medium"/>
         </a:defRPr>
       </a:lvl8pPr>
-      <a:lvl9pPr marL="0" marR="0" indent="0" algn="ctr" defTabSz="2409825" rtl="0" latinLnBrk="0">
+      <a:lvl9pPr marL="0" marR="0" indent="0" algn="ctr" defTabSz="3505200" rtl="0" latinLnBrk="0">
         <a:lnSpc>
           <a:spcPct val="100000"/>
         </a:lnSpc>
@@ -2387,7 +2387,7 @@
         <a:buFontTx/>
         <a:buNone/>
         <a:tabLst/>
-        <a:defRPr b="0" baseline="0" cap="none" i="0" spc="0" strike="noStrike" sz="32000" u="none">
+        <a:defRPr b="0" baseline="0" cap="none" i="0" spc="0" strike="noStrike" sz="46400" u="none">
           <a:ln>
             <a:noFill/>
           </a:ln>
@@ -2403,7 +2403,7 @@
       </a:lvl9pPr>
     </p:titleStyle>
     <p:bodyStyle>
-      <a:lvl1pPr marL="0" marR="0" indent="0" algn="ctr" defTabSz="2409825" rtl="0" latinLnBrk="0">
+      <a:lvl1pPr marL="0" marR="0" indent="0" algn="ctr" defTabSz="3505200" rtl="0" latinLnBrk="0">
         <a:lnSpc>
           <a:spcPct val="100000"/>
         </a:lnSpc>
@@ -2418,7 +2418,7 @@
         <a:buFontTx/>
         <a:buNone/>
         <a:tabLst/>
-        <a:defRPr b="0" baseline="0" cap="none" i="0" spc="0" strike="noStrike" sz="14400" u="none">
+        <a:defRPr b="0" baseline="0" cap="none" i="0" spc="0" strike="noStrike" sz="20800" u="none">
           <a:ln>
             <a:noFill/>
           </a:ln>
@@ -2432,7 +2432,7 @@
           <a:sym typeface="Helvetica Neue"/>
         </a:defRPr>
       </a:lvl1pPr>
-      <a:lvl2pPr marL="0" marR="0" indent="0" algn="ctr" defTabSz="2409825" rtl="0" latinLnBrk="0">
+      <a:lvl2pPr marL="0" marR="0" indent="0" algn="ctr" defTabSz="3505200" rtl="0" latinLnBrk="0">
         <a:lnSpc>
           <a:spcPct val="100000"/>
         </a:lnSpc>
@@ -2447,7 +2447,7 @@
         <a:buFontTx/>
         <a:buNone/>
         <a:tabLst/>
-        <a:defRPr b="0" baseline="0" cap="none" i="0" spc="0" strike="noStrike" sz="14400" u="none">
+        <a:defRPr b="0" baseline="0" cap="none" i="0" spc="0" strike="noStrike" sz="20800" u="none">
           <a:ln>
             <a:noFill/>
           </a:ln>
@@ -2461,7 +2461,7 @@
           <a:sym typeface="Helvetica Neue"/>
         </a:defRPr>
       </a:lvl2pPr>
-      <a:lvl3pPr marL="0" marR="0" indent="0" algn="ctr" defTabSz="2409825" rtl="0" latinLnBrk="0">
+      <a:lvl3pPr marL="0" marR="0" indent="0" algn="ctr" defTabSz="3505200" rtl="0" latinLnBrk="0">
         <a:lnSpc>
           <a:spcPct val="100000"/>
         </a:lnSpc>
@@ -2476,7 +2476,7 @@
         <a:buFontTx/>
         <a:buNone/>
         <a:tabLst/>
-        <a:defRPr b="0" baseline="0" cap="none" i="0" spc="0" strike="noStrike" sz="14400" u="none">
+        <a:defRPr b="0" baseline="0" cap="none" i="0" spc="0" strike="noStrike" sz="20800" u="none">
           <a:ln>
             <a:noFill/>
           </a:ln>
@@ -2490,7 +2490,7 @@
           <a:sym typeface="Helvetica Neue"/>
         </a:defRPr>
       </a:lvl3pPr>
-      <a:lvl4pPr marL="0" marR="0" indent="0" algn="ctr" defTabSz="2409825" rtl="0" latinLnBrk="0">
+      <a:lvl4pPr marL="0" marR="0" indent="0" algn="ctr" defTabSz="3505200" rtl="0" latinLnBrk="0">
         <a:lnSpc>
           <a:spcPct val="100000"/>
         </a:lnSpc>
@@ -2505,7 +2505,7 @@
         <a:buFontTx/>
         <a:buNone/>
         <a:tabLst/>
-        <a:defRPr b="0" baseline="0" cap="none" i="0" spc="0" strike="noStrike" sz="14400" u="none">
+        <a:defRPr b="0" baseline="0" cap="none" i="0" spc="0" strike="noStrike" sz="20800" u="none">
           <a:ln>
             <a:noFill/>
           </a:ln>
@@ -2519,7 +2519,7 @@
           <a:sym typeface="Helvetica Neue"/>
         </a:defRPr>
       </a:lvl4pPr>
-      <a:lvl5pPr marL="0" marR="0" indent="0" algn="ctr" defTabSz="2409825" rtl="0" latinLnBrk="0">
+      <a:lvl5pPr marL="0" marR="0" indent="0" algn="ctr" defTabSz="3505200" rtl="0" latinLnBrk="0">
         <a:lnSpc>
           <a:spcPct val="100000"/>
         </a:lnSpc>
@@ -2534,7 +2534,7 @@
         <a:buFontTx/>
         <a:buNone/>
         <a:tabLst/>
-        <a:defRPr b="0" baseline="0" cap="none" i="0" spc="0" strike="noStrike" sz="14400" u="none">
+        <a:defRPr b="0" baseline="0" cap="none" i="0" spc="0" strike="noStrike" sz="20800" u="none">
           <a:ln>
             <a:noFill/>
           </a:ln>
@@ -2548,7 +2548,7 @@
           <a:sym typeface="Helvetica Neue"/>
         </a:defRPr>
       </a:lvl5pPr>
-      <a:lvl6pPr marL="0" marR="0" indent="0" algn="ctr" defTabSz="2409825" rtl="0" latinLnBrk="0">
+      <a:lvl6pPr marL="0" marR="0" indent="0" algn="ctr" defTabSz="3505200" rtl="0" latinLnBrk="0">
         <a:lnSpc>
           <a:spcPct val="100000"/>
         </a:lnSpc>
@@ -2563,7 +2563,7 @@
         <a:buFontTx/>
         <a:buNone/>
         <a:tabLst/>
-        <a:defRPr b="0" baseline="0" cap="none" i="0" spc="0" strike="noStrike" sz="14400" u="none">
+        <a:defRPr b="0" baseline="0" cap="none" i="0" spc="0" strike="noStrike" sz="20800" u="none">
           <a:ln>
             <a:noFill/>
           </a:ln>
@@ -2577,7 +2577,7 @@
           <a:sym typeface="Helvetica Neue"/>
         </a:defRPr>
       </a:lvl6pPr>
-      <a:lvl7pPr marL="0" marR="0" indent="0" algn="ctr" defTabSz="2409825" rtl="0" latinLnBrk="0">
+      <a:lvl7pPr marL="0" marR="0" indent="0" algn="ctr" defTabSz="3505200" rtl="0" latinLnBrk="0">
         <a:lnSpc>
           <a:spcPct val="100000"/>
         </a:lnSpc>
@@ -2592,7 +2592,7 @@
         <a:buFontTx/>
         <a:buNone/>
         <a:tabLst/>
-        <a:defRPr b="0" baseline="0" cap="none" i="0" spc="0" strike="noStrike" sz="14400" u="none">
+        <a:defRPr b="0" baseline="0" cap="none" i="0" spc="0" strike="noStrike" sz="20800" u="none">
           <a:ln>
             <a:noFill/>
           </a:ln>
@@ -2606,7 +2606,7 @@
           <a:sym typeface="Helvetica Neue"/>
         </a:defRPr>
       </a:lvl7pPr>
-      <a:lvl8pPr marL="0" marR="0" indent="0" algn="ctr" defTabSz="2409825" rtl="0" latinLnBrk="0">
+      <a:lvl8pPr marL="0" marR="0" indent="0" algn="ctr" defTabSz="3505200" rtl="0" latinLnBrk="0">
         <a:lnSpc>
           <a:spcPct val="100000"/>
         </a:lnSpc>
@@ -2621,7 +2621,7 @@
         <a:buFontTx/>
         <a:buNone/>
         <a:tabLst/>
-        <a:defRPr b="0" baseline="0" cap="none" i="0" spc="0" strike="noStrike" sz="14400" u="none">
+        <a:defRPr b="0" baseline="0" cap="none" i="0" spc="0" strike="noStrike" sz="20800" u="none">
           <a:ln>
             <a:noFill/>
           </a:ln>
@@ -2635,7 +2635,7 @@
           <a:sym typeface="Helvetica Neue"/>
         </a:defRPr>
       </a:lvl8pPr>
-      <a:lvl9pPr marL="0" marR="0" indent="0" algn="ctr" defTabSz="2409825" rtl="0" latinLnBrk="0">
+      <a:lvl9pPr marL="0" marR="0" indent="0" algn="ctr" defTabSz="3505200" rtl="0" latinLnBrk="0">
         <a:lnSpc>
           <a:spcPct val="100000"/>
         </a:lnSpc>
@@ -2650,7 +2650,7 @@
         <a:buFontTx/>
         <a:buNone/>
         <a:tabLst/>
-        <a:defRPr b="0" baseline="0" cap="none" i="0" spc="0" strike="noStrike" sz="14400" u="none">
+        <a:defRPr b="0" baseline="0" cap="none" i="0" spc="0" strike="noStrike" sz="20800" u="none">
           <a:ln>
             <a:noFill/>
           </a:ln>
@@ -2666,7 +2666,7 @@
       </a:lvl9pPr>
     </p:bodyStyle>
     <p:otherStyle>
-      <a:lvl1pPr marL="0" marR="0" indent="0" algn="ctr" defTabSz="2409825" latinLnBrk="0">
+      <a:lvl1pPr marL="0" marR="0" indent="0" algn="ctr" defTabSz="3505200" latinLnBrk="0">
         <a:lnSpc>
           <a:spcPct val="100000"/>
         </a:lnSpc>
@@ -2681,7 +2681,7 @@
         <a:buFontTx/>
         <a:buNone/>
         <a:tabLst/>
-        <a:defRPr b="0" baseline="0" cap="none" i="0" spc="0" strike="noStrike" sz="6200" u="none">
+        <a:defRPr b="0" baseline="0" cap="none" i="0" spc="0" strike="noStrike" sz="9000" u="none">
           <a:ln>
             <a:noFill/>
           </a:ln>
@@ -2695,7 +2695,7 @@
           <a:sym typeface="Helvetica Neue Light"/>
         </a:defRPr>
       </a:lvl1pPr>
-      <a:lvl2pPr marL="0" marR="0" indent="228600" algn="ctr" defTabSz="2409825" latinLnBrk="0">
+      <a:lvl2pPr marL="0" marR="0" indent="228600" algn="ctr" defTabSz="3505200" latinLnBrk="0">
         <a:lnSpc>
           <a:spcPct val="100000"/>
         </a:lnSpc>
@@ -2710,7 +2710,7 @@
         <a:buFontTx/>
         <a:buNone/>
         <a:tabLst/>
-        <a:defRPr b="0" baseline="0" cap="none" i="0" spc="0" strike="noStrike" sz="6200" u="none">
+        <a:defRPr b="0" baseline="0" cap="none" i="0" spc="0" strike="noStrike" sz="9000" u="none">
           <a:ln>
             <a:noFill/>
           </a:ln>
@@ -2724,7 +2724,7 @@
           <a:sym typeface="Helvetica Neue Light"/>
         </a:defRPr>
       </a:lvl2pPr>
-      <a:lvl3pPr marL="0" marR="0" indent="457200" algn="ctr" defTabSz="2409825" latinLnBrk="0">
+      <a:lvl3pPr marL="0" marR="0" indent="457200" algn="ctr" defTabSz="3505200" latinLnBrk="0">
         <a:lnSpc>
           <a:spcPct val="100000"/>
         </a:lnSpc>
@@ -2739,7 +2739,7 @@
         <a:buFontTx/>
         <a:buNone/>
         <a:tabLst/>
-        <a:defRPr b="0" baseline="0" cap="none" i="0" spc="0" strike="noStrike" sz="6200" u="none">
+        <a:defRPr b="0" baseline="0" cap="none" i="0" spc="0" strike="noStrike" sz="9000" u="none">
           <a:ln>
             <a:noFill/>
           </a:ln>
@@ -2753,7 +2753,7 @@
           <a:sym typeface="Helvetica Neue Light"/>
         </a:defRPr>
       </a:lvl3pPr>
-      <a:lvl4pPr marL="0" marR="0" indent="685800" algn="ctr" defTabSz="2409825" latinLnBrk="0">
+      <a:lvl4pPr marL="0" marR="0" indent="685800" algn="ctr" defTabSz="3505200" latinLnBrk="0">
         <a:lnSpc>
           <a:spcPct val="100000"/>
         </a:lnSpc>
@@ -2768,7 +2768,7 @@
         <a:buFontTx/>
         <a:buNone/>
         <a:tabLst/>
-        <a:defRPr b="0" baseline="0" cap="none" i="0" spc="0" strike="noStrike" sz="6200" u="none">
+        <a:defRPr b="0" baseline="0" cap="none" i="0" spc="0" strike="noStrike" sz="9000" u="none">
           <a:ln>
             <a:noFill/>
           </a:ln>
@@ -2782,7 +2782,7 @@
           <a:sym typeface="Helvetica Neue Light"/>
         </a:defRPr>
       </a:lvl4pPr>
-      <a:lvl5pPr marL="0" marR="0" indent="914400" algn="ctr" defTabSz="2409825" latinLnBrk="0">
+      <a:lvl5pPr marL="0" marR="0" indent="914400" algn="ctr" defTabSz="3505200" latinLnBrk="0">
         <a:lnSpc>
           <a:spcPct val="100000"/>
         </a:lnSpc>
@@ -2797,7 +2797,7 @@
         <a:buFontTx/>
         <a:buNone/>
         <a:tabLst/>
-        <a:defRPr b="0" baseline="0" cap="none" i="0" spc="0" strike="noStrike" sz="6200" u="none">
+        <a:defRPr b="0" baseline="0" cap="none" i="0" spc="0" strike="noStrike" sz="9000" u="none">
           <a:ln>
             <a:noFill/>
           </a:ln>
@@ -2811,7 +2811,7 @@
           <a:sym typeface="Helvetica Neue Light"/>
         </a:defRPr>
       </a:lvl5pPr>
-      <a:lvl6pPr marL="0" marR="0" indent="1143000" algn="ctr" defTabSz="2409825" latinLnBrk="0">
+      <a:lvl6pPr marL="0" marR="0" indent="1143000" algn="ctr" defTabSz="3505200" latinLnBrk="0">
         <a:lnSpc>
           <a:spcPct val="100000"/>
         </a:lnSpc>
@@ -2826,7 +2826,7 @@
         <a:buFontTx/>
         <a:buNone/>
         <a:tabLst/>
-        <a:defRPr b="0" baseline="0" cap="none" i="0" spc="0" strike="noStrike" sz="6200" u="none">
+        <a:defRPr b="0" baseline="0" cap="none" i="0" spc="0" strike="noStrike" sz="9000" u="none">
           <a:ln>
             <a:noFill/>
           </a:ln>
@@ -2840,7 +2840,7 @@
           <a:sym typeface="Helvetica Neue Light"/>
         </a:defRPr>
       </a:lvl6pPr>
-      <a:lvl7pPr marL="0" marR="0" indent="1371600" algn="ctr" defTabSz="2409825" latinLnBrk="0">
+      <a:lvl7pPr marL="0" marR="0" indent="1371600" algn="ctr" defTabSz="3505200" latinLnBrk="0">
         <a:lnSpc>
           <a:spcPct val="100000"/>
         </a:lnSpc>
@@ -2855,7 +2855,7 @@
         <a:buFontTx/>
         <a:buNone/>
         <a:tabLst/>
-        <a:defRPr b="0" baseline="0" cap="none" i="0" spc="0" strike="noStrike" sz="6200" u="none">
+        <a:defRPr b="0" baseline="0" cap="none" i="0" spc="0" strike="noStrike" sz="9000" u="none">
           <a:ln>
             <a:noFill/>
           </a:ln>
@@ -2869,7 +2869,7 @@
           <a:sym typeface="Helvetica Neue Light"/>
         </a:defRPr>
       </a:lvl7pPr>
-      <a:lvl8pPr marL="0" marR="0" indent="1600200" algn="ctr" defTabSz="2409825" latinLnBrk="0">
+      <a:lvl8pPr marL="0" marR="0" indent="1600200" algn="ctr" defTabSz="3505200" latinLnBrk="0">
         <a:lnSpc>
           <a:spcPct val="100000"/>
         </a:lnSpc>
@@ -2884,7 +2884,7 @@
         <a:buFontTx/>
         <a:buNone/>
         <a:tabLst/>
-        <a:defRPr b="0" baseline="0" cap="none" i="0" spc="0" strike="noStrike" sz="6200" u="none">
+        <a:defRPr b="0" baseline="0" cap="none" i="0" spc="0" strike="noStrike" sz="9000" u="none">
           <a:ln>
             <a:noFill/>
           </a:ln>
@@ -2898,7 +2898,7 @@
           <a:sym typeface="Helvetica Neue Light"/>
         </a:defRPr>
       </a:lvl8pPr>
-      <a:lvl9pPr marL="0" marR="0" indent="1828800" algn="ctr" defTabSz="2409825" latinLnBrk="0">
+      <a:lvl9pPr marL="0" marR="0" indent="1828800" algn="ctr" defTabSz="3505200" latinLnBrk="0">
         <a:lnSpc>
           <a:spcPct val="100000"/>
         </a:lnSpc>
@@ -2913,7 +2913,7 @@
         <a:buFontTx/>
         <a:buNone/>
         <a:tabLst/>
-        <a:defRPr b="0" baseline="0" cap="none" i="0" spc="0" strike="noStrike" sz="6200" u="none">
+        <a:defRPr b="0" baseline="0" cap="none" i="0" spc="0" strike="noStrike" sz="9000" u="none">
           <a:ln>
             <a:noFill/>
           </a:ln>
@@ -2964,8 +2964,8 @@
         </p:nvSpPr>
         <p:spPr>
           <a:xfrm>
-            <a:off x="0" y="36848978"/>
-            <a:ext cx="38404801" cy="3387444"/>
+            <a:off x="-1" y="53201146"/>
+            <a:ext cx="43891204" cy="5320455"/>
           </a:xfrm>
           <a:prstGeom prst="rect">
             <a:avLst/>
@@ -2986,11 +2986,11 @@
           </a:ln>
         </p:spPr>
         <p:txBody>
-          <a:bodyPr lIns="66302" tIns="66302" rIns="66302" bIns="66302" anchor="ctr"/>
+          <a:bodyPr lIns="75774" tIns="75774" rIns="75774" bIns="75774" anchor="ctr"/>
           <a:lstStyle/>
           <a:p>
             <a:pPr>
-              <a:defRPr b="0" sz="19200">
+              <a:defRPr b="0" sz="27800">
                 <a:latin typeface="Futura"/>
                 <a:ea typeface="Futura"/>
                 <a:cs typeface="Futura"/>
@@ -3008,8 +3008,8 @@
         </p:nvSpPr>
         <p:spPr>
           <a:xfrm>
-            <a:off x="0" y="-1"/>
-            <a:ext cx="38404801" cy="7906634"/>
+            <a:off x="-1" y="0"/>
+            <a:ext cx="43891204" cy="11742135"/>
           </a:xfrm>
           <a:prstGeom prst="rect">
             <a:avLst/>
@@ -3030,11 +3030,11 @@
           </a:ln>
         </p:spPr>
         <p:txBody>
-          <a:bodyPr lIns="66302" tIns="66302" rIns="66302" bIns="66302" anchor="ctr"/>
+          <a:bodyPr lIns="75774" tIns="75774" rIns="75774" bIns="75774" anchor="ctr"/>
           <a:lstStyle/>
           <a:p>
             <a:pPr>
-              <a:defRPr b="0" sz="14400">
+              <a:defRPr b="0" sz="20800">
                 <a:latin typeface="Futura"/>
                 <a:ea typeface="Futura"/>
                 <a:cs typeface="Futura"/>
@@ -3052,8 +3052,8 @@
         </p:nvSpPr>
         <p:spPr>
           <a:xfrm>
-            <a:off x="7572632" y="8464782"/>
-            <a:ext cx="23066211" cy="1548125"/>
+            <a:off x="5184704" y="12553598"/>
+            <a:ext cx="33300848" cy="2200505"/>
           </a:xfrm>
           <a:prstGeom prst="rect">
             <a:avLst/>
@@ -3068,13 +3068,13 @@
           </a:extLst>
         </p:spPr>
         <p:txBody>
-          <a:bodyPr wrap="none" lIns="66302" tIns="66302" rIns="66302" bIns="66302" anchor="ctr">
+          <a:bodyPr wrap="none" lIns="75774" tIns="75774" rIns="75774" bIns="75774" anchor="ctr">
             <a:spAutoFit/>
           </a:bodyPr>
           <a:lstStyle/>
           <a:p>
             <a:pPr>
-              <a:defRPr b="0" sz="7600">
+              <a:defRPr b="0" sz="11000">
                 <a:solidFill>
                   <a:srgbClr val="000000"/>
                 </a:solidFill>
@@ -3085,7 +3085,7 @@
               </a:defRPr>
             </a:pPr>
             <a:r>
-              <a:rPr sz="8600">
+              <a:rPr sz="12400">
                 <a:solidFill>
                   <a:schemeClr val="accent4">
                     <a:hueOff val="-1109302"/>
@@ -3096,7 +3096,7 @@
               <a:t>Your Name</a:t>
             </a:r>
             <a:r>
-              <a:rPr sz="8600">
+              <a:rPr sz="12400">
                 <a:latin typeface="Futura"/>
                 <a:ea typeface="Futura"/>
                 <a:cs typeface="Futura"/>
@@ -3124,13 +3124,13 @@
         </p:nvSpPr>
         <p:spPr>
           <a:xfrm>
-            <a:off x="1340761" y="22922096"/>
-            <a:ext cx="17256996" cy="13020551"/>
+            <a:off x="1532298" y="32466853"/>
+            <a:ext cx="19722281" cy="18659103"/>
           </a:xfrm>
           <a:prstGeom prst="rect">
             <a:avLst/>
           </a:prstGeom>
-          <a:ln w="177800">
+          <a:ln w="203200">
             <a:solidFill>
               <a:srgbClr val="011993"/>
             </a:solidFill>
@@ -3138,11 +3138,11 @@
           </a:ln>
         </p:spPr>
         <p:txBody>
-          <a:bodyPr lIns="66302" tIns="66302" rIns="66302" bIns="66302" anchor="ctr"/>
+          <a:bodyPr lIns="75774" tIns="75774" rIns="75774" bIns="75774" anchor="ctr"/>
           <a:lstStyle/>
           <a:p>
             <a:pPr>
-              <a:defRPr b="0" sz="8000">
+              <a:defRPr b="0" sz="11600">
                 <a:latin typeface="+mn-lt"/>
                 <a:ea typeface="+mn-ea"/>
                 <a:cs typeface="+mn-cs"/>
@@ -3160,8 +3160,8 @@
         </p:nvSpPr>
         <p:spPr>
           <a:xfrm>
-            <a:off x="21338933" y="37228605"/>
-            <a:ext cx="12315185" cy="2543771"/>
+            <a:off x="21494234" y="54052668"/>
+            <a:ext cx="17285975" cy="3617411"/>
           </a:xfrm>
           <a:prstGeom prst="rect">
             <a:avLst/>
@@ -3176,13 +3176,13 @@
           </a:extLst>
         </p:spPr>
         <p:txBody>
-          <a:bodyPr lIns="66302" tIns="66302" rIns="66302" bIns="66302" anchor="ctr">
+          <a:bodyPr lIns="75774" tIns="75774" rIns="75774" bIns="75774" anchor="ctr">
             <a:spAutoFit/>
           </a:bodyPr>
           <a:lstStyle/>
           <a:p>
             <a:pPr algn="r">
-              <a:defRPr b="0" sz="7200">
+              <a:defRPr b="0" sz="10400">
                 <a:latin typeface="Futura"/>
                 <a:ea typeface="Futura"/>
                 <a:cs typeface="Futura"/>
@@ -3195,7 +3195,7 @@
           </a:p>
           <a:p>
             <a:pPr algn="r">
-              <a:defRPr b="0" sz="7200">
+              <a:defRPr b="0" sz="10400">
                 <a:solidFill>
                   <a:schemeClr val="accent4">
                     <a:hueOff val="-1109302"/>
@@ -3222,8 +3222,8 @@
         </p:nvSpPr>
         <p:spPr>
           <a:xfrm>
-            <a:off x="34402470" y="37135026"/>
-            <a:ext cx="3249568" cy="2815346"/>
+            <a:off x="39635469" y="54252604"/>
+            <a:ext cx="3713792" cy="3217539"/>
           </a:xfrm>
           <a:custGeom>
             <a:avLst/>
@@ -3373,11 +3373,11 @@
           </a:ln>
         </p:spPr>
         <p:txBody>
-          <a:bodyPr lIns="66302" tIns="66302" rIns="66302" bIns="66302" anchor="ctr"/>
+          <a:bodyPr lIns="75774" tIns="75774" rIns="75774" bIns="75774" anchor="ctr"/>
           <a:lstStyle/>
           <a:p>
             <a:pPr>
-              <a:defRPr b="0" sz="8000">
+              <a:defRPr b="0" sz="11600">
                 <a:latin typeface="+mn-lt"/>
                 <a:ea typeface="+mn-ea"/>
                 <a:cs typeface="+mn-cs"/>
@@ -3395,13 +3395,13 @@
         </p:nvSpPr>
         <p:spPr>
           <a:xfrm>
-            <a:off x="1219962" y="10993653"/>
-            <a:ext cx="17498594" cy="11210881"/>
+            <a:off x="1394242" y="16374425"/>
+            <a:ext cx="19998393" cy="15272357"/>
           </a:xfrm>
           <a:prstGeom prst="rect">
             <a:avLst/>
           </a:prstGeom>
-          <a:ln w="177800">
+          <a:ln w="203200">
             <a:solidFill>
               <a:srgbClr val="011993"/>
             </a:solidFill>
@@ -3409,11 +3409,11 @@
           </a:ln>
         </p:spPr>
         <p:txBody>
-          <a:bodyPr lIns="66302" tIns="66302" rIns="66302" bIns="66302" anchor="ctr"/>
+          <a:bodyPr lIns="75774" tIns="75774" rIns="75774" bIns="75774" anchor="ctr"/>
           <a:lstStyle/>
           <a:p>
             <a:pPr>
-              <a:defRPr b="0" sz="8000">
+              <a:defRPr b="0" sz="11600">
                 <a:latin typeface="+mn-lt"/>
                 <a:ea typeface="+mn-ea"/>
                 <a:cs typeface="+mn-cs"/>
@@ -3431,13 +3431,13 @@
         </p:nvSpPr>
         <p:spPr>
           <a:xfrm>
-            <a:off x="19807042" y="10993654"/>
-            <a:ext cx="17196926" cy="17161540"/>
+            <a:off x="22636619" y="16374425"/>
+            <a:ext cx="19653631" cy="22073111"/>
           </a:xfrm>
           <a:prstGeom prst="rect">
             <a:avLst/>
           </a:prstGeom>
-          <a:ln w="177800">
+          <a:ln w="203200">
             <a:solidFill>
               <a:srgbClr val="011993"/>
             </a:solidFill>
@@ -3445,11 +3445,11 @@
           </a:ln>
         </p:spPr>
         <p:txBody>
-          <a:bodyPr lIns="66302" tIns="66302" rIns="66302" bIns="66302" anchor="ctr"/>
+          <a:bodyPr lIns="75774" tIns="75774" rIns="75774" bIns="75774" anchor="ctr"/>
           <a:lstStyle/>
           <a:p>
             <a:pPr>
-              <a:defRPr b="0" sz="8000">
+              <a:defRPr b="0" sz="11600">
                 <a:latin typeface="+mn-lt"/>
                 <a:ea typeface="+mn-ea"/>
                 <a:cs typeface="+mn-cs"/>
@@ -3467,13 +3467,13 @@
         </p:nvSpPr>
         <p:spPr>
           <a:xfrm>
-            <a:off x="19807042" y="28872095"/>
-            <a:ext cx="17196926" cy="7123648"/>
+            <a:off x="22636619" y="39266851"/>
+            <a:ext cx="19653631" cy="11859105"/>
           </a:xfrm>
           <a:prstGeom prst="rect">
             <a:avLst/>
           </a:prstGeom>
-          <a:ln w="177800">
+          <a:ln w="203200">
             <a:solidFill>
               <a:srgbClr val="011993"/>
             </a:solidFill>
@@ -3481,11 +3481,11 @@
           </a:ln>
         </p:spPr>
         <p:txBody>
-          <a:bodyPr lIns="66302" tIns="66302" rIns="66302" bIns="66302" anchor="ctr"/>
+          <a:bodyPr lIns="75774" tIns="75774" rIns="75774" bIns="75774" anchor="ctr"/>
           <a:lstStyle/>
           <a:p>
             <a:pPr>
-              <a:defRPr b="0" sz="8000">
+              <a:defRPr b="0" sz="11600">
                 <a:latin typeface="+mn-lt"/>
                 <a:ea typeface="+mn-ea"/>
                 <a:cs typeface="+mn-cs"/>
@@ -3503,8 +3503,8 @@
         </p:nvSpPr>
         <p:spPr>
           <a:xfrm>
-            <a:off x="1251862" y="11054614"/>
-            <a:ext cx="17555593" cy="2362610"/>
+            <a:off x="1430698" y="16272825"/>
+            <a:ext cx="20063536" cy="2700126"/>
           </a:xfrm>
           <a:prstGeom prst="rect">
             <a:avLst/>
@@ -3517,11 +3517,11 @@
           </a:ln>
         </p:spPr>
         <p:txBody>
-          <a:bodyPr lIns="66302" tIns="66302" rIns="66302" bIns="66302" anchor="ctr"/>
+          <a:bodyPr lIns="75774" tIns="75774" rIns="75774" bIns="75774" anchor="ctr"/>
           <a:lstStyle/>
           <a:p>
             <a:pPr>
-              <a:defRPr b="0" sz="8000">
+              <a:defRPr b="0" sz="11600">
                 <a:latin typeface="Futura Bold"/>
                 <a:ea typeface="Futura Bold"/>
                 <a:cs typeface="Futura Bold"/>
@@ -3539,8 +3539,8 @@
         </p:nvSpPr>
         <p:spPr>
           <a:xfrm>
-            <a:off x="1401721" y="22982063"/>
-            <a:ext cx="17135076" cy="2362610"/>
+            <a:off x="1601966" y="32535387"/>
+            <a:ext cx="19582945" cy="2700125"/>
           </a:xfrm>
           <a:prstGeom prst="rect">
             <a:avLst/>
@@ -3553,11 +3553,11 @@
           </a:ln>
         </p:spPr>
         <p:txBody>
-          <a:bodyPr lIns="66302" tIns="66302" rIns="66302" bIns="66302" anchor="ctr"/>
+          <a:bodyPr lIns="75774" tIns="75774" rIns="75774" bIns="75774" anchor="ctr"/>
           <a:lstStyle/>
           <a:p>
             <a:pPr>
-              <a:defRPr b="0" sz="8000">
+              <a:defRPr b="0" sz="11600">
                 <a:latin typeface="Futura Bold"/>
                 <a:ea typeface="Futura Bold"/>
                 <a:cs typeface="Futura Bold"/>
@@ -3575,8 +3575,8 @@
         </p:nvSpPr>
         <p:spPr>
           <a:xfrm>
-            <a:off x="19868001" y="28780655"/>
-            <a:ext cx="17075007" cy="2362610"/>
+            <a:off x="22706287" y="39162349"/>
+            <a:ext cx="19514294" cy="2700126"/>
           </a:xfrm>
           <a:prstGeom prst="rect">
             <a:avLst/>
@@ -3589,11 +3589,11 @@
           </a:ln>
         </p:spPr>
         <p:txBody>
-          <a:bodyPr lIns="66302" tIns="66302" rIns="66302" bIns="66302" anchor="ctr"/>
+          <a:bodyPr lIns="75774" tIns="75774" rIns="75774" bIns="75774" anchor="ctr"/>
           <a:lstStyle/>
           <a:p>
             <a:pPr>
-              <a:defRPr b="0" sz="8000">
+              <a:defRPr b="0" sz="11600">
                 <a:latin typeface="Futura Bold"/>
                 <a:ea typeface="Futura Bold"/>
                 <a:cs typeface="Futura Bold"/>
@@ -3611,8 +3611,8 @@
         </p:nvSpPr>
         <p:spPr>
           <a:xfrm>
-            <a:off x="19868001" y="11054614"/>
-            <a:ext cx="17075007" cy="2362610"/>
+            <a:off x="22706287" y="16272825"/>
+            <a:ext cx="19514294" cy="2700126"/>
           </a:xfrm>
           <a:prstGeom prst="rect">
             <a:avLst/>
@@ -3625,11 +3625,11 @@
           </a:ln>
         </p:spPr>
         <p:txBody>
-          <a:bodyPr lIns="66302" tIns="66302" rIns="66302" bIns="66302" anchor="ctr"/>
+          <a:bodyPr lIns="75774" tIns="75774" rIns="75774" bIns="75774" anchor="ctr"/>
           <a:lstStyle/>
           <a:p>
             <a:pPr>
-              <a:defRPr b="0" sz="8000">
+              <a:defRPr b="0" sz="11600">
                 <a:latin typeface="Futura Bold"/>
                 <a:ea typeface="Futura Bold"/>
                 <a:cs typeface="Futura Bold"/>
@@ -3641,92 +3641,14 @@
       </p:sp>
       <p:sp>
         <p:nvSpPr>
-          <p:cNvPr id="132" name="Circle"/>
-          <p:cNvSpPr/>
-          <p:nvPr/>
-        </p:nvSpPr>
-        <p:spPr>
-          <a:xfrm>
-            <a:off x="1416656" y="36976490"/>
-            <a:ext cx="3048001" cy="3048001"/>
-          </a:xfrm>
-          <a:prstGeom prst="ellipse">
-            <a:avLst/>
-          </a:prstGeom>
-          <a:solidFill>
-            <a:schemeClr val="accent4">
-              <a:hueOff val="-1109302"/>
-              <a:lumOff val="-6470"/>
-            </a:schemeClr>
-          </a:solidFill>
-          <a:ln w="3175">
-            <a:miter lim="400000"/>
-          </a:ln>
-        </p:spPr>
-        <p:txBody>
-          <a:bodyPr lIns="66302" tIns="66302" rIns="66302" bIns="66302" anchor="ctr"/>
-          <a:lstStyle/>
-          <a:p>
-            <a:pPr>
-              <a:defRPr b="0" sz="8000">
-                <a:latin typeface="+mn-lt"/>
-                <a:ea typeface="+mn-ea"/>
-                <a:cs typeface="+mn-cs"/>
-                <a:sym typeface="Helvetica Neue Medium"/>
-              </a:defRPr>
-            </a:pPr>
-          </a:p>
-        </p:txBody>
-      </p:sp>
-      <p:sp>
-        <p:nvSpPr>
-          <p:cNvPr id="133" name="Circle"/>
-          <p:cNvSpPr/>
-          <p:nvPr/>
-        </p:nvSpPr>
-        <p:spPr>
-          <a:xfrm>
-            <a:off x="5004661" y="36976490"/>
-            <a:ext cx="3048001" cy="3048001"/>
-          </a:xfrm>
-          <a:prstGeom prst="ellipse">
-            <a:avLst/>
-          </a:prstGeom>
-          <a:solidFill>
-            <a:schemeClr val="accent4">
-              <a:hueOff val="-1109302"/>
-              <a:lumOff val="-6470"/>
-            </a:schemeClr>
-          </a:solidFill>
-          <a:ln w="3175">
-            <a:miter lim="400000"/>
-          </a:ln>
-        </p:spPr>
-        <p:txBody>
-          <a:bodyPr lIns="66302" tIns="66302" rIns="66302" bIns="66302" anchor="ctr"/>
-          <a:lstStyle/>
-          <a:p>
-            <a:pPr>
-              <a:defRPr b="0" sz="8000">
-                <a:latin typeface="+mn-lt"/>
-                <a:ea typeface="+mn-ea"/>
-                <a:cs typeface="+mn-cs"/>
-                <a:sym typeface="Helvetica Neue Medium"/>
-              </a:defRPr>
-            </a:pPr>
-          </a:p>
-        </p:txBody>
-      </p:sp>
-      <p:sp>
-        <p:nvSpPr>
-          <p:cNvPr id="134" name="Affiliation logos…"/>
+          <p:cNvPr id="132" name="Affiliation logos…"/>
           <p:cNvSpPr txBox="1"/>
           <p:nvPr/>
         </p:nvSpPr>
         <p:spPr>
           <a:xfrm>
-            <a:off x="1131062" y="37228605"/>
-            <a:ext cx="6921601" cy="2543771"/>
+            <a:off x="1430698" y="54052668"/>
+            <a:ext cx="9952230" cy="3617411"/>
           </a:xfrm>
           <a:prstGeom prst="rect">
             <a:avLst/>
@@ -3741,13 +3663,13 @@
           </a:extLst>
         </p:spPr>
         <p:txBody>
-          <a:bodyPr wrap="none" lIns="66302" tIns="66302" rIns="66302" bIns="66302" anchor="ctr">
+          <a:bodyPr wrap="none" lIns="75774" tIns="75774" rIns="75774" bIns="75774" anchor="ctr">
             <a:spAutoFit/>
           </a:bodyPr>
           <a:lstStyle/>
           <a:p>
             <a:pPr>
-              <a:defRPr b="0" sz="7200">
+              <a:defRPr b="0" sz="10400">
                 <a:latin typeface="Futura"/>
                 <a:ea typeface="Futura"/>
                 <a:cs typeface="Futura"/>
@@ -3760,7 +3682,7 @@
           </a:p>
           <a:p>
             <a:pPr>
-              <a:defRPr b="0" sz="7200">
+              <a:defRPr b="0" sz="10400">
                 <a:latin typeface="Futura"/>
                 <a:ea typeface="Futura"/>
                 <a:cs typeface="Futura"/>
@@ -3775,14 +3697,14 @@
       </p:sp>
       <p:sp>
         <p:nvSpPr>
-          <p:cNvPr id="135" name="Bell Curve"/>
+          <p:cNvPr id="133" name="Bell Curve"/>
           <p:cNvSpPr/>
           <p:nvPr/>
         </p:nvSpPr>
         <p:spPr>
           <a:xfrm>
-            <a:off x="29318660" y="20870034"/>
-            <a:ext cx="6326123" cy="6309362"/>
+            <a:off x="33944149" y="29623777"/>
+            <a:ext cx="7229855" cy="7210699"/>
           </a:xfrm>
           <a:custGeom>
             <a:avLst/>
@@ -4069,11 +3991,11 @@
           </a:ln>
         </p:spPr>
         <p:txBody>
-          <a:bodyPr lIns="66302" tIns="66302" rIns="66302" bIns="66302" anchor="ctr"/>
+          <a:bodyPr lIns="75774" tIns="75774" rIns="75774" bIns="75774" anchor="ctr"/>
           <a:lstStyle/>
           <a:p>
             <a:pPr>
-              <a:defRPr b="0" sz="8000">
+              <a:defRPr b="0" sz="11600">
                 <a:latin typeface="+mn-lt"/>
                 <a:ea typeface="+mn-ea"/>
                 <a:cs typeface="+mn-cs"/>
@@ -4085,14 +4007,14 @@
       </p:sp>
       <p:sp>
         <p:nvSpPr>
-          <p:cNvPr id="136" name="Function Graph"/>
+          <p:cNvPr id="134" name="Function Graph"/>
           <p:cNvSpPr/>
           <p:nvPr/>
         </p:nvSpPr>
         <p:spPr>
           <a:xfrm>
-            <a:off x="20951147" y="14103644"/>
-            <a:ext cx="6360261" cy="6318297"/>
+            <a:off x="23944168" y="20528666"/>
+            <a:ext cx="7268870" cy="7220911"/>
           </a:xfrm>
           <a:custGeom>
             <a:avLst/>
@@ -4677,11 +4599,11 @@
           </a:ln>
         </p:spPr>
         <p:txBody>
-          <a:bodyPr lIns="66302" tIns="66302" rIns="66302" bIns="66302" anchor="ctr"/>
+          <a:bodyPr lIns="75774" tIns="75774" rIns="75774" bIns="75774" anchor="ctr"/>
           <a:lstStyle/>
           <a:p>
             <a:pPr>
-              <a:defRPr b="0" sz="8000">
+              <a:defRPr b="0" sz="11600">
                 <a:latin typeface="+mn-lt"/>
                 <a:ea typeface="+mn-ea"/>
                 <a:cs typeface="+mn-cs"/>
@@ -4693,14 +4615,14 @@
       </p:sp>
       <p:sp>
         <p:nvSpPr>
-          <p:cNvPr id="137" name="One sentence summary of the adjacent plot"/>
+          <p:cNvPr id="135" name="One sentence summary of the adjacent plot"/>
           <p:cNvSpPr txBox="1"/>
           <p:nvPr/>
         </p:nvSpPr>
         <p:spPr>
           <a:xfrm>
-            <a:off x="28936190" y="15646116"/>
-            <a:ext cx="7091063" cy="3233354"/>
+            <a:off x="33069932" y="20491673"/>
+            <a:ext cx="8104072" cy="7294897"/>
           </a:xfrm>
           <a:prstGeom prst="rect">
             <a:avLst/>
@@ -4715,14 +4637,14 @@
           </a:extLst>
         </p:spPr>
         <p:txBody>
-          <a:bodyPr lIns="66302" tIns="66302" rIns="66302" bIns="66302" anchor="ctr">
+          <a:bodyPr lIns="75774" tIns="75774" rIns="75774" bIns="75774" anchor="ctr">
             <a:spAutoFit/>
           </a:bodyPr>
           <a:lstStyle>
-            <a:lvl1pPr marL="861218" indent="-861218" algn="l">
+            <a:lvl1pPr marL="1250156" indent="-1250156" algn="l">
               <a:buSzPct val="145000"/>
               <a:buChar char="•"/>
-              <a:defRPr b="0" sz="6200">
+              <a:defRPr b="0" sz="8500">
                 <a:solidFill>
                   <a:srgbClr val="000000"/>
                 </a:solidFill>
@@ -4743,14 +4665,14 @@
       </p:sp>
       <p:sp>
         <p:nvSpPr>
-          <p:cNvPr id="138" name="One sentence summary of the adjacent plot"/>
+          <p:cNvPr id="136" name="One sentence summary of the adjacent plot"/>
           <p:cNvSpPr txBox="1"/>
           <p:nvPr/>
         </p:nvSpPr>
         <p:spPr>
           <a:xfrm>
-            <a:off x="20951147" y="22546691"/>
-            <a:ext cx="7091063" cy="3233354"/>
+            <a:off x="23944168" y="29992585"/>
+            <a:ext cx="8104072" cy="7294898"/>
           </a:xfrm>
           <a:prstGeom prst="rect">
             <a:avLst/>
@@ -4765,14 +4687,14 @@
           </a:extLst>
         </p:spPr>
         <p:txBody>
-          <a:bodyPr lIns="66302" tIns="66302" rIns="66302" bIns="66302" anchor="ctr">
+          <a:bodyPr lIns="75774" tIns="75774" rIns="75774" bIns="75774" anchor="ctr">
             <a:spAutoFit/>
           </a:bodyPr>
           <a:lstStyle>
-            <a:lvl1pPr marL="861218" indent="-861218" algn="l">
+            <a:lvl1pPr marL="1250156" indent="-1250156" algn="l">
               <a:buSzPct val="145000"/>
               <a:buChar char="•"/>
-              <a:defRPr b="0" sz="6200">
+              <a:defRPr b="0" sz="8500">
                 <a:solidFill>
                   <a:srgbClr val="000000"/>
                 </a:solidFill>
@@ -4793,14 +4715,14 @@
       </p:sp>
       <p:sp>
         <p:nvSpPr>
-          <p:cNvPr id="139" name="Four bullet points in this section…"/>
+          <p:cNvPr id="137" name="Four bullet points in this section…"/>
           <p:cNvSpPr txBox="1"/>
           <p:nvPr/>
         </p:nvSpPr>
         <p:spPr>
           <a:xfrm>
-            <a:off x="2124786" y="14739140"/>
-            <a:ext cx="15688947" cy="6130896"/>
+            <a:off x="2417814" y="19221054"/>
+            <a:ext cx="17930226" cy="11849161"/>
           </a:xfrm>
           <a:prstGeom prst="rect">
             <a:avLst/>
@@ -4815,18 +4737,18 @@
           </a:extLst>
         </p:spPr>
         <p:txBody>
-          <a:bodyPr lIns="66302" tIns="66302" rIns="66302" bIns="66302" anchor="ctr">
+          <a:bodyPr lIns="75774" tIns="75774" rIns="75774" bIns="75774" anchor="ctr">
             <a:spAutoFit/>
           </a:bodyPr>
           <a:lstStyle/>
           <a:p>
-            <a:pPr marL="861218" indent="-861218" algn="l">
+            <a:pPr marL="1250156" indent="-1250156" algn="l">
               <a:lnSpc>
                 <a:spcPct val="120000"/>
               </a:lnSpc>
               <a:buSzPct val="145000"/>
               <a:buChar char="•"/>
-              <a:defRPr b="0" sz="6200">
+              <a:defRPr b="0" sz="8500">
                 <a:solidFill>
                   <a:srgbClr val="000000"/>
                 </a:solidFill>
@@ -4841,13 +4763,13 @@
             </a:r>
           </a:p>
           <a:p>
-            <a:pPr marL="861218" indent="-861218" algn="l">
+            <a:pPr marL="1250156" indent="-1250156" algn="l">
               <a:lnSpc>
                 <a:spcPct val="120000"/>
               </a:lnSpc>
               <a:buSzPct val="145000"/>
               <a:buChar char="•"/>
-              <a:defRPr b="0" sz="6200">
+              <a:defRPr b="0" sz="8500">
                 <a:solidFill>
                   <a:srgbClr val="000000"/>
                 </a:solidFill>
@@ -4862,13 +4784,13 @@
             </a:r>
           </a:p>
           <a:p>
-            <a:pPr marL="861218" indent="-861218" algn="l">
+            <a:pPr marL="1250156" indent="-1250156" algn="l">
               <a:lnSpc>
                 <a:spcPct val="120000"/>
               </a:lnSpc>
               <a:buSzPct val="145000"/>
               <a:buChar char="•"/>
-              <a:defRPr b="0" sz="6200">
+              <a:defRPr b="0" sz="8500">
                 <a:solidFill>
                   <a:srgbClr val="000000"/>
                 </a:solidFill>
@@ -4883,13 +4805,13 @@
             </a:r>
           </a:p>
           <a:p>
-            <a:pPr marL="861218" indent="-861218" algn="l">
+            <a:pPr marL="1250156" indent="-1250156" algn="l">
               <a:lnSpc>
                 <a:spcPct val="120000"/>
               </a:lnSpc>
               <a:buSzPct val="145000"/>
               <a:buChar char="•"/>
-              <a:defRPr b="0" sz="6200">
+              <a:defRPr b="0" sz="8500">
                 <a:solidFill>
                   <a:srgbClr val="000000"/>
                 </a:solidFill>
@@ -4936,14 +4858,14 @@
       </p:sp>
       <p:sp>
         <p:nvSpPr>
-          <p:cNvPr id="140" name="The one take-away from your plots…"/>
+          <p:cNvPr id="138" name="The one take-away from your plots…"/>
           <p:cNvSpPr txBox="1"/>
           <p:nvPr/>
         </p:nvSpPr>
         <p:spPr>
           <a:xfrm>
-            <a:off x="20243556" y="31811231"/>
-            <a:ext cx="16323898" cy="3641482"/>
+            <a:off x="23135493" y="42191452"/>
+            <a:ext cx="18655884" cy="8418836"/>
           </a:xfrm>
           <a:prstGeom prst="rect">
             <a:avLst/>
@@ -4958,18 +4880,18 @@
           </a:extLst>
         </p:spPr>
         <p:txBody>
-          <a:bodyPr lIns="66302" tIns="66302" rIns="66302" bIns="66302" anchor="ctr">
+          <a:bodyPr lIns="75774" tIns="75774" rIns="75774" bIns="75774" anchor="ctr">
             <a:spAutoFit/>
           </a:bodyPr>
           <a:lstStyle/>
           <a:p>
-            <a:pPr marL="861218" indent="-861218" algn="l">
+            <a:pPr marL="1250156" indent="-1250156" algn="l">
               <a:lnSpc>
                 <a:spcPct val="120000"/>
               </a:lnSpc>
               <a:buSzPct val="145000"/>
               <a:buChar char="•"/>
-              <a:defRPr b="0" sz="6200">
+              <a:defRPr b="0" sz="8500">
                 <a:solidFill>
                   <a:srgbClr val="000000"/>
                 </a:solidFill>
@@ -5002,13 +4924,13 @@
             </a:r>
           </a:p>
           <a:p>
-            <a:pPr marL="861218" indent="-861218" algn="l">
+            <a:pPr marL="1250156" indent="-1250156" algn="l">
               <a:lnSpc>
                 <a:spcPct val="120000"/>
               </a:lnSpc>
               <a:buSzPct val="145000"/>
               <a:buChar char="•"/>
-              <a:defRPr b="0" sz="6200">
+              <a:defRPr b="0" sz="8500">
                 <a:solidFill>
                   <a:srgbClr val="000000"/>
                 </a:solidFill>
@@ -5038,13 +4960,13 @@
             </a:r>
           </a:p>
           <a:p>
-            <a:pPr marL="861218" indent="-861218" algn="l">
+            <a:pPr marL="1250156" indent="-1250156" algn="l">
               <a:lnSpc>
                 <a:spcPct val="120000"/>
               </a:lnSpc>
               <a:buSzPct val="145000"/>
               <a:buChar char="•"/>
-              <a:defRPr b="0" sz="6200">
+              <a:defRPr b="0" sz="8500">
                 <a:solidFill>
                   <a:srgbClr val="000000"/>
                 </a:solidFill>
@@ -5077,14 +4999,14 @@
       </p:sp>
       <p:sp>
         <p:nvSpPr>
-          <p:cNvPr id="141" name="Remind the reader what you’re trying to address…"/>
+          <p:cNvPr id="139" name="Remind the reader what you’re trying to address…"/>
           <p:cNvSpPr txBox="1"/>
           <p:nvPr/>
         </p:nvSpPr>
         <p:spPr>
           <a:xfrm>
-            <a:off x="2124786" y="26912062"/>
-            <a:ext cx="15688947" cy="7375886"/>
+            <a:off x="2417814" y="36279072"/>
+            <a:ext cx="17930226" cy="13564851"/>
           </a:xfrm>
           <a:prstGeom prst="rect">
             <a:avLst/>
@@ -5099,18 +5021,18 @@
           </a:extLst>
         </p:spPr>
         <p:txBody>
-          <a:bodyPr lIns="66302" tIns="66302" rIns="66302" bIns="66302" anchor="ctr">
+          <a:bodyPr lIns="75774" tIns="75774" rIns="75774" bIns="75774" anchor="ctr">
             <a:spAutoFit/>
           </a:bodyPr>
           <a:lstStyle/>
           <a:p>
-            <a:pPr marL="861218" indent="-861218" algn="l">
+            <a:pPr marL="1250156" indent="-1250156" algn="l">
               <a:lnSpc>
                 <a:spcPct val="120000"/>
               </a:lnSpc>
               <a:buSzPct val="145000"/>
               <a:buChar char="•"/>
-              <a:defRPr b="0" sz="6200">
+              <a:defRPr b="0" sz="8500">
                 <a:solidFill>
                   <a:srgbClr val="000000"/>
                 </a:solidFill>
@@ -5125,13 +5047,13 @@
             </a:r>
           </a:p>
           <a:p>
-            <a:pPr marL="861218" indent="-861218" algn="l">
+            <a:pPr marL="1250156" indent="-1250156" algn="l">
               <a:lnSpc>
                 <a:spcPct val="120000"/>
               </a:lnSpc>
               <a:buSzPct val="145000"/>
               <a:buChar char="•"/>
-              <a:defRPr b="0" sz="6200">
+              <a:defRPr b="0" sz="8500">
                 <a:solidFill>
                   <a:srgbClr val="000000"/>
                 </a:solidFill>
@@ -5164,13 +5086,13 @@
             </a:r>
           </a:p>
           <a:p>
-            <a:pPr lvl="1" marL="1305718" indent="-861218" algn="l">
+            <a:pPr lvl="1" marL="1694656" indent="-1250156" algn="l">
               <a:lnSpc>
                 <a:spcPct val="120000"/>
               </a:lnSpc>
               <a:buSzPct val="145000"/>
               <a:buChar char="•"/>
-              <a:defRPr b="0" sz="6200">
+              <a:defRPr b="0" sz="8500">
                 <a:solidFill>
                   <a:srgbClr val="000000"/>
                 </a:solidFill>
@@ -5185,13 +5107,13 @@
             </a:r>
           </a:p>
           <a:p>
-            <a:pPr lvl="1" marL="1305718" indent="-861218" algn="l">
+            <a:pPr lvl="1" marL="1694656" indent="-1250156" algn="l">
               <a:lnSpc>
                 <a:spcPct val="120000"/>
               </a:lnSpc>
               <a:buSzPct val="145000"/>
               <a:buChar char="•"/>
-              <a:defRPr b="0" sz="6200">
+              <a:defRPr b="0" sz="8500">
                 <a:solidFill>
                   <a:srgbClr val="000000"/>
                 </a:solidFill>
@@ -5206,13 +5128,13 @@
             </a:r>
           </a:p>
           <a:p>
-            <a:pPr lvl="1" marL="1305718" indent="-861218" algn="l">
+            <a:pPr lvl="1" marL="1694656" indent="-1250156" algn="l">
               <a:lnSpc>
                 <a:spcPct val="120000"/>
               </a:lnSpc>
               <a:buSzPct val="145000"/>
               <a:buChar char="•"/>
-              <a:defRPr b="0" sz="6200">
+              <a:defRPr b="0" sz="8500">
                 <a:solidFill>
                   <a:srgbClr val="000000"/>
                 </a:solidFill>
@@ -5230,14 +5152,14 @@
       </p:sp>
       <p:sp>
         <p:nvSpPr>
-          <p:cNvPr id="142" name="Introduction"/>
+          <p:cNvPr id="140" name="Introduction"/>
           <p:cNvSpPr txBox="1"/>
           <p:nvPr/>
         </p:nvSpPr>
         <p:spPr>
           <a:xfrm>
-            <a:off x="6606290" y="11511755"/>
-            <a:ext cx="6725939" cy="1448328"/>
+            <a:off x="6540354" y="16591310"/>
+            <a:ext cx="9706167" cy="2063156"/>
           </a:xfrm>
           <a:prstGeom prst="rect">
             <a:avLst/>
@@ -5252,12 +5174,12 @@
           </a:extLst>
         </p:spPr>
         <p:txBody>
-          <a:bodyPr wrap="none" lIns="66302" tIns="66302" rIns="66302" bIns="66302" anchor="ctr">
+          <a:bodyPr wrap="none" lIns="75774" tIns="75774" rIns="75774" bIns="75774" anchor="ctr">
             <a:spAutoFit/>
           </a:bodyPr>
           <a:lstStyle>
             <a:lvl1pPr>
-              <a:defRPr b="0" sz="8000">
+              <a:defRPr b="0" sz="11600">
                 <a:latin typeface="Futura Bold"/>
                 <a:ea typeface="Futura Bold"/>
                 <a:cs typeface="Futura Bold"/>
@@ -5275,14 +5197,14 @@
       </p:sp>
       <p:sp>
         <p:nvSpPr>
-          <p:cNvPr id="143" name="Results"/>
+          <p:cNvPr id="141" name="Results"/>
           <p:cNvSpPr txBox="1"/>
           <p:nvPr/>
         </p:nvSpPr>
         <p:spPr>
           <a:xfrm>
-            <a:off x="26445630" y="11511755"/>
-            <a:ext cx="3919747" cy="1448328"/>
+            <a:off x="29644839" y="16591310"/>
+            <a:ext cx="5637188" cy="2063156"/>
           </a:xfrm>
           <a:prstGeom prst="rect">
             <a:avLst/>
@@ -5297,12 +5219,12 @@
           </a:extLst>
         </p:spPr>
         <p:txBody>
-          <a:bodyPr wrap="none" lIns="66302" tIns="66302" rIns="66302" bIns="66302" anchor="ctr">
+          <a:bodyPr wrap="none" lIns="75774" tIns="75774" rIns="75774" bIns="75774" anchor="ctr">
             <a:spAutoFit/>
           </a:bodyPr>
           <a:lstStyle>
             <a:lvl1pPr>
-              <a:defRPr b="0" sz="8000">
+              <a:defRPr b="0" sz="11600">
                 <a:latin typeface="Futura Bold"/>
                 <a:ea typeface="Futura Bold"/>
                 <a:cs typeface="Futura Bold"/>
@@ -5320,14 +5242,14 @@
       </p:sp>
       <p:sp>
         <p:nvSpPr>
-          <p:cNvPr id="144" name="Methodology"/>
+          <p:cNvPr id="142" name="Methodology"/>
           <p:cNvSpPr txBox="1"/>
           <p:nvPr/>
         </p:nvSpPr>
         <p:spPr>
           <a:xfrm>
-            <a:off x="6287721" y="23439204"/>
-            <a:ext cx="7483875" cy="1448329"/>
+            <a:off x="6059879" y="32853872"/>
+            <a:ext cx="10805175" cy="2063156"/>
           </a:xfrm>
           <a:prstGeom prst="rect">
             <a:avLst/>
@@ -5342,12 +5264,12 @@
           </a:extLst>
         </p:spPr>
         <p:txBody>
-          <a:bodyPr wrap="none" lIns="66302" tIns="66302" rIns="66302" bIns="66302" anchor="ctr">
+          <a:bodyPr wrap="none" lIns="75774" tIns="75774" rIns="75774" bIns="75774" anchor="ctr">
             <a:spAutoFit/>
           </a:bodyPr>
           <a:lstStyle>
             <a:lvl1pPr>
-              <a:defRPr b="0" sz="8000">
+              <a:defRPr b="0" sz="11600">
                 <a:latin typeface="Futura Bold"/>
                 <a:ea typeface="Futura Bold"/>
                 <a:cs typeface="Futura Bold"/>
@@ -5365,14 +5287,14 @@
       </p:sp>
       <p:sp>
         <p:nvSpPr>
-          <p:cNvPr id="145" name="Discussion &amp; Future Work"/>
+          <p:cNvPr id="143" name="Discussion &amp; Future Work"/>
           <p:cNvSpPr txBox="1"/>
           <p:nvPr/>
         </p:nvSpPr>
         <p:spPr>
           <a:xfrm>
-            <a:off x="21389506" y="29237796"/>
-            <a:ext cx="14031995" cy="1448328"/>
+            <a:off x="22834211" y="39530491"/>
+            <a:ext cx="19258447" cy="1963842"/>
           </a:xfrm>
           <a:prstGeom prst="rect">
             <a:avLst/>
@@ -5387,12 +5309,12 @@
           </a:extLst>
         </p:spPr>
         <p:txBody>
-          <a:bodyPr wrap="none" lIns="66302" tIns="66302" rIns="66302" bIns="66302" anchor="ctr">
+          <a:bodyPr wrap="none" lIns="75774" tIns="75774" rIns="75774" bIns="75774" anchor="ctr">
             <a:spAutoFit/>
           </a:bodyPr>
           <a:lstStyle>
             <a:lvl1pPr>
-              <a:defRPr b="0" sz="8000">
+              <a:defRPr b="0" sz="11000">
                 <a:latin typeface="Futura Bold"/>
                 <a:ea typeface="Futura Bold"/>
                 <a:cs typeface="Futura Bold"/>
@@ -5410,14 +5332,14 @@
       </p:sp>
       <p:sp>
         <p:nvSpPr>
-          <p:cNvPr id="146" name="The TL;DR you want people to remember…"/>
+          <p:cNvPr id="144" name="The TL;DR you want people to remember…"/>
           <p:cNvSpPr txBox="1"/>
           <p:nvPr/>
         </p:nvSpPr>
         <p:spPr>
           <a:xfrm>
-            <a:off x="1369381" y="1488143"/>
-            <a:ext cx="35666039" cy="4930345"/>
+            <a:off x="2966915" y="445237"/>
+            <a:ext cx="37736429" cy="10589639"/>
           </a:xfrm>
           <a:prstGeom prst="rect">
             <a:avLst/>
@@ -5432,13 +5354,13 @@
           </a:extLst>
         </p:spPr>
         <p:txBody>
-          <a:bodyPr wrap="none" lIns="66302" tIns="66302" rIns="66302" bIns="66302" anchor="ctr">
+          <a:bodyPr wrap="none" lIns="75774" tIns="75774" rIns="75774" bIns="75774" anchor="ctr">
             <a:spAutoFit/>
           </a:bodyPr>
           <a:lstStyle/>
           <a:p>
             <a:pPr>
-              <a:defRPr b="0" sz="14400">
+              <a:defRPr b="0" sz="20800">
                 <a:latin typeface="Futura"/>
                 <a:ea typeface="Futura"/>
                 <a:cs typeface="Futura"/>
@@ -5463,7 +5385,7 @@
           </a:p>
           <a:p>
             <a:pPr>
-              <a:defRPr b="0" sz="14400">
+              <a:defRPr b="0" sz="20800">
                 <a:latin typeface="Futura"/>
                 <a:ea typeface="Futura"/>
                 <a:cs typeface="Futura"/>
@@ -5687,11 +5609,11 @@
         <a:effectLst/>
         <a:sp3d/>
       </a:spPr>
-      <a:bodyPr rot="0" spcFirstLastPara="1" vertOverflow="overflow" horzOverflow="overflow" vert="horz" wrap="square" lIns="66302" tIns="66302" rIns="66302" bIns="66302" numCol="1" spcCol="38100" rtlCol="0" anchor="ctr" upright="0">
+      <a:bodyPr rot="0" spcFirstLastPara="1" vertOverflow="overflow" horzOverflow="overflow" vert="horz" wrap="square" lIns="75774" tIns="75774" rIns="75774" bIns="75774" numCol="1" spcCol="38100" rtlCol="0" anchor="ctr" upright="0">
         <a:spAutoFit/>
       </a:bodyPr>
       <a:lstStyle>
-        <a:defPPr marL="0" marR="0" indent="0" algn="ctr" defTabSz="2409825" rtl="0" fontAlgn="auto" latinLnBrk="0" hangingPunct="0">
+        <a:defPPr marL="0" marR="0" indent="0" algn="ctr" defTabSz="3505200" rtl="0" fontAlgn="auto" latinLnBrk="0" hangingPunct="0">
           <a:lnSpc>
             <a:spcPct val="100000"/>
           </a:lnSpc>
@@ -5706,7 +5628,7 @@
           <a:buFontTx/>
           <a:buNone/>
           <a:tabLst/>
-          <a:defRPr b="0" baseline="0" cap="none" i="0" spc="0" strike="noStrike" sz="8000" u="none" kumimoji="0" normalizeH="0">
+          <a:defRPr b="0" baseline="0" cap="none" i="0" spc="0" strike="noStrike" sz="11600" u="none" kumimoji="0" normalizeH="0">
             <a:ln>
               <a:noFill/>
             </a:ln>
@@ -6258,11 +6180,11 @@
         <a:effectLst/>
         <a:sp3d/>
       </a:spPr>
-      <a:bodyPr rot="0" spcFirstLastPara="1" vertOverflow="overflow" horzOverflow="overflow" vert="horz" wrap="square" lIns="66302" tIns="66302" rIns="66302" bIns="66302" numCol="1" spcCol="38100" rtlCol="0" anchor="ctr" upright="0">
+      <a:bodyPr rot="0" spcFirstLastPara="1" vertOverflow="overflow" horzOverflow="overflow" vert="horz" wrap="square" lIns="75774" tIns="75774" rIns="75774" bIns="75774" numCol="1" spcCol="38100" rtlCol="0" anchor="ctr" upright="0">
         <a:spAutoFit/>
       </a:bodyPr>
       <a:lstStyle>
-        <a:defPPr marL="0" marR="0" indent="0" algn="ctr" defTabSz="2409825" rtl="0" fontAlgn="auto" latinLnBrk="0" hangingPunct="0">
+        <a:defPPr marL="0" marR="0" indent="0" algn="ctr" defTabSz="3505200" rtl="0" fontAlgn="auto" latinLnBrk="0" hangingPunct="0">
           <a:lnSpc>
             <a:spcPct val="100000"/>
           </a:lnSpc>
@@ -6277,7 +6199,7 @@
           <a:buFontTx/>
           <a:buNone/>
           <a:tabLst/>
-          <a:defRPr b="1" baseline="0" cap="none" i="0" spc="0" strike="noStrike" sz="8600" u="none" kumimoji="0" normalizeH="0">
+          <a:defRPr b="1" baseline="0" cap="none" i="0" spc="0" strike="noStrike" sz="12400" u="none" kumimoji="0" normalizeH="0">
             <a:ln>
               <a:noFill/>
             </a:ln>
@@ -6740,11 +6662,11 @@
         <a:effectLst/>
         <a:sp3d/>
       </a:spPr>
-      <a:bodyPr rot="0" spcFirstLastPara="1" vertOverflow="overflow" horzOverflow="overflow" vert="horz" wrap="square" lIns="66302" tIns="66302" rIns="66302" bIns="66302" numCol="1" spcCol="38100" rtlCol="0" anchor="ctr" upright="0">
+      <a:bodyPr rot="0" spcFirstLastPara="1" vertOverflow="overflow" horzOverflow="overflow" vert="horz" wrap="square" lIns="75774" tIns="75774" rIns="75774" bIns="75774" numCol="1" spcCol="38100" rtlCol="0" anchor="ctr" upright="0">
         <a:spAutoFit/>
       </a:bodyPr>
       <a:lstStyle>
-        <a:defPPr marL="0" marR="0" indent="0" algn="ctr" defTabSz="2409825" rtl="0" fontAlgn="auto" latinLnBrk="0" hangingPunct="0">
+        <a:defPPr marL="0" marR="0" indent="0" algn="ctr" defTabSz="3505200" rtl="0" fontAlgn="auto" latinLnBrk="0" hangingPunct="0">
           <a:lnSpc>
             <a:spcPct val="100000"/>
           </a:lnSpc>
@@ -6759,7 +6681,7 @@
           <a:buFontTx/>
           <a:buNone/>
           <a:tabLst/>
-          <a:defRPr b="0" baseline="0" cap="none" i="0" spc="0" strike="noStrike" sz="8000" u="none" kumimoji="0" normalizeH="0">
+          <a:defRPr b="0" baseline="0" cap="none" i="0" spc="0" strike="noStrike" sz="11600" u="none" kumimoji="0" normalizeH="0">
             <a:ln>
               <a:noFill/>
             </a:ln>
@@ -7311,11 +7233,11 @@
         <a:effectLst/>
         <a:sp3d/>
       </a:spPr>
-      <a:bodyPr rot="0" spcFirstLastPara="1" vertOverflow="overflow" horzOverflow="overflow" vert="horz" wrap="square" lIns="66302" tIns="66302" rIns="66302" bIns="66302" numCol="1" spcCol="38100" rtlCol="0" anchor="ctr" upright="0">
+      <a:bodyPr rot="0" spcFirstLastPara="1" vertOverflow="overflow" horzOverflow="overflow" vert="horz" wrap="square" lIns="75774" tIns="75774" rIns="75774" bIns="75774" numCol="1" spcCol="38100" rtlCol="0" anchor="ctr" upright="0">
         <a:spAutoFit/>
       </a:bodyPr>
       <a:lstStyle>
-        <a:defPPr marL="0" marR="0" indent="0" algn="ctr" defTabSz="2409825" rtl="0" fontAlgn="auto" latinLnBrk="0" hangingPunct="0">
+        <a:defPPr marL="0" marR="0" indent="0" algn="ctr" defTabSz="3505200" rtl="0" fontAlgn="auto" latinLnBrk="0" hangingPunct="0">
           <a:lnSpc>
             <a:spcPct val="100000"/>
           </a:lnSpc>
@@ -7330,7 +7252,7 @@
           <a:buFontTx/>
           <a:buNone/>
           <a:tabLst/>
-          <a:defRPr b="1" baseline="0" cap="none" i="0" spc="0" strike="noStrike" sz="8600" u="none" kumimoji="0" normalizeH="0">
+          <a:defRPr b="1" baseline="0" cap="none" i="0" spc="0" strike="noStrike" sz="12400" u="none" kumimoji="0" normalizeH="0">
             <a:ln>
               <a:noFill/>
             </a:ln>
